--- a/eece2160/f18/lectures/eece.2160f18_lec29_struct_p2.pptx
+++ b/eece2160/f18/lectures/eece.2160f18_lec29_struct_p2.pptx
@@ -5,10 +5,10 @@
     <p:sldMasterId id="2147483792" r:id="rId1"/>
   </p:sldMasterIdLst>
   <p:notesMasterIdLst>
-    <p:notesMasterId r:id="rId16"/>
+    <p:notesMasterId r:id="rId14"/>
   </p:notesMasterIdLst>
   <p:handoutMasterIdLst>
-    <p:handoutMasterId r:id="rId17"/>
+    <p:handoutMasterId r:id="rId15"/>
   </p:handoutMasterIdLst>
   <p:sldIdLst>
     <p:sldId id="256" r:id="rId2"/>
@@ -22,9 +22,7 @@
     <p:sldId id="537" r:id="rId10"/>
     <p:sldId id="538" r:id="rId11"/>
     <p:sldId id="539" r:id="rId12"/>
-    <p:sldId id="540" r:id="rId13"/>
-    <p:sldId id="541" r:id="rId14"/>
-    <p:sldId id="410" r:id="rId15"/>
+    <p:sldId id="410" r:id="rId13"/>
   </p:sldIdLst>
   <p:sldSz cx="9144000" cy="6858000" type="screen4x3"/>
   <p:notesSz cx="9144000" cy="6858000"/>
@@ -1370,7 +1368,7 @@
             </a:pPr>
             <a:fld id="{DFEA094F-861F-AC4D-A3DB-C6F49CD6814B}" type="datetime1">
               <a:rPr lang="en-US" smtClean="0"/>
-              <a:t>11/14/18</a:t>
+              <a:t>11/19/18</a:t>
             </a:fld>
             <a:endParaRPr lang="en-US"/>
           </a:p>
@@ -1575,7 +1573,7 @@
             </a:pPr>
             <a:fld id="{C6C18DCB-AB18-E743-8278-DB56B88D1693}" type="datetime1">
               <a:rPr lang="en-US" smtClean="0"/>
-              <a:t>11/14/18</a:t>
+              <a:t>11/19/18</a:t>
             </a:fld>
             <a:endParaRPr lang="en-US"/>
           </a:p>
@@ -1789,7 +1787,7 @@
             </a:pPr>
             <a:fld id="{3129804B-A39D-D741-97D0-939F60D59AF9}" type="datetime1">
               <a:rPr lang="en-US" smtClean="0"/>
-              <a:t>11/14/18</a:t>
+              <a:t>11/19/18</a:t>
             </a:fld>
             <a:endParaRPr lang="en-US"/>
           </a:p>
@@ -2060,7 +2058,7 @@
             </a:pPr>
             <a:fld id="{F987211C-3E28-B44D-982A-EAFACB4C86CA}" type="datetime1">
               <a:rPr lang="en-US" smtClean="0"/>
-              <a:t>11/14/18</a:t>
+              <a:t>11/19/18</a:t>
             </a:fld>
             <a:endParaRPr lang="en-US"/>
           </a:p>
@@ -2331,7 +2329,7 @@
             </a:pPr>
             <a:fld id="{DAD918DE-99C2-964A-84BC-17DD940C7B37}" type="datetime1">
               <a:rPr lang="en-US" smtClean="0"/>
-              <a:t>11/14/18</a:t>
+              <a:t>11/19/18</a:t>
             </a:fld>
             <a:endParaRPr lang="en-US"/>
           </a:p>
@@ -2535,7 +2533,7 @@
             </a:pPr>
             <a:fld id="{85844E4F-5A77-5548-B579-AD1F9688F945}" type="datetime1">
               <a:rPr lang="en-US" smtClean="0"/>
-              <a:t>11/14/18</a:t>
+              <a:t>11/19/18</a:t>
             </a:fld>
             <a:endParaRPr lang="en-US"/>
           </a:p>
@@ -2761,7 +2759,7 @@
             </a:pPr>
             <a:fld id="{BCC295A8-A2C4-7748-8714-812E66CF8718}" type="datetime1">
               <a:rPr lang="en-US" smtClean="0"/>
-              <a:t>11/14/18</a:t>
+              <a:t>11/19/18</a:t>
             </a:fld>
             <a:endParaRPr lang="en-US"/>
           </a:p>
@@ -3083,7 +3081,7 @@
             </a:pPr>
             <a:fld id="{E00F3A32-5E80-414A-B761-C5553B373EB8}" type="datetime1">
               <a:rPr lang="en-US" smtClean="0"/>
-              <a:t>11/14/18</a:t>
+              <a:t>11/19/18</a:t>
             </a:fld>
             <a:endParaRPr lang="en-US"/>
           </a:p>
@@ -3544,7 +3542,7 @@
             </a:pPr>
             <a:fld id="{BA8315E6-BCBE-1347-B168-37D9F0A8F0B2}" type="datetime1">
               <a:rPr lang="en-US" smtClean="0"/>
-              <a:t>11/14/18</a:t>
+              <a:t>11/19/18</a:t>
             </a:fld>
             <a:endParaRPr lang="en-US"/>
           </a:p>
@@ -3696,7 +3694,7 @@
             </a:pPr>
             <a:fld id="{32E8BC65-2F82-914D-A7AE-702AEFA97F28}" type="datetime1">
               <a:rPr lang="en-US" smtClean="0"/>
-              <a:t>11/14/18</a:t>
+              <a:t>11/19/18</a:t>
             </a:fld>
             <a:endParaRPr lang="en-US"/>
           </a:p>
@@ -3825,7 +3823,7 @@
             </a:pPr>
             <a:fld id="{C719EEDE-0797-234D-B5F3-1CB69C33E6EA}" type="datetime1">
               <a:rPr lang="en-US" smtClean="0"/>
-              <a:t>11/14/18</a:t>
+              <a:t>11/19/18</a:t>
             </a:fld>
             <a:endParaRPr lang="en-US"/>
           </a:p>
@@ -4136,7 +4134,7 @@
             </a:pPr>
             <a:fld id="{7F92A29D-BF8B-6F4C-8715-C3570EE17F44}" type="datetime1">
               <a:rPr lang="en-US" smtClean="0"/>
-              <a:t>11/14/18</a:t>
+              <a:t>11/19/18</a:t>
             </a:fld>
             <a:endParaRPr lang="en-US"/>
           </a:p>
@@ -4424,7 +4422,7 @@
             </a:pPr>
             <a:fld id="{185F80E8-8C9D-6B4C-B5E1-BC58A6BD52BE}" type="datetime1">
               <a:rPr lang="en-US" smtClean="0"/>
-              <a:t>11/14/18</a:t>
+              <a:t>11/19/18</a:t>
             </a:fld>
             <a:endParaRPr lang="en-US"/>
           </a:p>
@@ -4731,7 +4729,7 @@
             </a:pPr>
             <a:fld id="{D020AA2F-AAEF-FF4E-A309-11FCB59A9037}" type="datetime1">
               <a:rPr lang="en-US" smtClean="0"/>
-              <a:t>11/14/18</a:t>
+              <a:t>11/19/18</a:t>
             </a:fld>
             <a:endParaRPr lang="en-US"/>
           </a:p>
@@ -5559,10 +5557,10 @@
               <a:defRPr/>
             </a:pPr>
             <a:r>
-              <a:rPr lang="en-US" dirty="0" smtClean="0">
-                <a:latin typeface="Arial" charset="0"/>
-              </a:rPr>
-              <a:t>Spring 2018</a:t>
+              <a:rPr lang="en-US" smtClean="0">
+                <a:latin typeface="Arial" charset="0"/>
+              </a:rPr>
+              <a:t>Fall 2018</a:t>
             </a:r>
             <a:endParaRPr lang="en-US" dirty="0">
               <a:latin typeface="Arial" charset="0"/>
@@ -5628,13 +5626,7 @@
               <a:rPr lang="en-US" dirty="0" smtClean="0">
                 <a:latin typeface="Arial" charset="0"/>
               </a:rPr>
-              <a:t>Structure </a:t>
-            </a:r>
-            <a:r>
-              <a:rPr lang="en-US" dirty="0" smtClean="0">
-                <a:latin typeface="Arial" charset="0"/>
-              </a:rPr>
-              <a:t>examples; nested structures</a:t>
+              <a:t>Structure examples; nested structures</a:t>
             </a:r>
             <a:endParaRPr lang="en-US" dirty="0">
               <a:latin typeface="Arial" charset="0"/>
@@ -5721,11 +5713,32 @@
               <a:buNone/>
             </a:pPr>
             <a:r>
-              <a:rPr lang="en-US" sz="2800">
+              <a:rPr lang="en-US" sz="2800" dirty="0" err="1">
                 <a:latin typeface="Courier New" charset="0"/>
                 <a:cs typeface="Courier New" charset="0"/>
               </a:rPr>
-              <a:t>StudentInfo readStudent() {</a:t>
+              <a:t>StudentInfo</a:t>
+            </a:r>
+            <a:r>
+              <a:rPr lang="en-US" sz="2800" dirty="0">
+                <a:latin typeface="Courier New" charset="0"/>
+                <a:cs typeface="Courier New" charset="0"/>
+              </a:rPr>
+              <a:t> </a:t>
+            </a:r>
+            <a:r>
+              <a:rPr lang="en-US" sz="2800" dirty="0" err="1">
+                <a:latin typeface="Courier New" charset="0"/>
+                <a:cs typeface="Courier New" charset="0"/>
+              </a:rPr>
+              <a:t>readStudent</a:t>
+            </a:r>
+            <a:r>
+              <a:rPr lang="en-US" sz="2800" dirty="0">
+                <a:latin typeface="Courier New" charset="0"/>
+                <a:cs typeface="Courier New" charset="0"/>
+              </a:rPr>
+              <a:t>() {</a:t>
             </a:r>
           </a:p>
           <a:p>
@@ -5737,11 +5750,32 @@
               <a:buNone/>
             </a:pPr>
             <a:r>
-              <a:rPr lang="en-US" sz="2800">
+              <a:rPr lang="en-US" sz="2800" dirty="0">
                 <a:latin typeface="Courier New" charset="0"/>
                 <a:cs typeface="Courier New" charset="0"/>
               </a:rPr>
-              <a:t>	StudentInfo s;</a:t>
+              <a:t>	</a:t>
+            </a:r>
+            <a:r>
+              <a:rPr lang="en-US" sz="2800" dirty="0" err="1">
+                <a:latin typeface="Courier New" charset="0"/>
+                <a:cs typeface="Courier New" charset="0"/>
+              </a:rPr>
+              <a:t>StudentInfo</a:t>
+            </a:r>
+            <a:r>
+              <a:rPr lang="en-US" sz="2800" dirty="0">
+                <a:latin typeface="Courier New" charset="0"/>
+                <a:cs typeface="Courier New" charset="0"/>
+              </a:rPr>
+              <a:t> s</a:t>
+            </a:r>
+            <a:r>
+              <a:rPr lang="en-US" sz="2800" dirty="0" smtClean="0">
+                <a:latin typeface="Courier New" charset="0"/>
+                <a:cs typeface="Courier New" charset="0"/>
+              </a:rPr>
+              <a:t>;</a:t>
             </a:r>
           </a:p>
           <a:p>
@@ -5753,40 +5787,37 @@
               <a:buNone/>
             </a:pPr>
             <a:r>
-              <a:rPr lang="en-US" sz="2800">
+              <a:rPr lang="en-US" sz="2800" dirty="0">
                 <a:latin typeface="Courier New" charset="0"/>
                 <a:cs typeface="Courier New" charset="0"/>
               </a:rPr>
-              <a:t>	printf(</a:t>
-            </a:r>
-            <a:r>
-              <a:rPr lang="ja-JP" altLang="en-US" sz="2800">
+              <a:t>	</a:t>
+            </a:r>
+            <a:r>
+              <a:rPr lang="en-US" sz="2800" dirty="0" smtClean="0">
                 <a:latin typeface="Courier New" charset="0"/>
                 <a:cs typeface="Courier New" charset="0"/>
               </a:rPr>
-              <a:t>“</a:t>
-            </a:r>
-            <a:r>
-              <a:rPr lang="en-US" altLang="ja-JP" sz="2800">
+              <a:t>char </a:t>
+            </a:r>
+            <a:r>
+              <a:rPr lang="en-US" sz="2800" dirty="0" err="1" smtClean="0">
                 <a:latin typeface="Courier New" charset="0"/>
                 <a:cs typeface="Courier New" charset="0"/>
               </a:rPr>
-              <a:t>Enter name: </a:t>
-            </a:r>
-            <a:r>
-              <a:rPr lang="ja-JP" altLang="en-US" sz="2800">
+              <a:t>ch</a:t>
+            </a:r>
+            <a:r>
+              <a:rPr lang="en-US" sz="2800" dirty="0" smtClean="0">
                 <a:latin typeface="Courier New" charset="0"/>
                 <a:cs typeface="Courier New" charset="0"/>
               </a:rPr>
-              <a:t>”</a:t>
-            </a:r>
-            <a:r>
-              <a:rPr lang="en-US" altLang="ja-JP" sz="2800">
-                <a:latin typeface="Courier New" charset="0"/>
-                <a:cs typeface="Courier New" charset="0"/>
-              </a:rPr>
-              <a:t>);</a:t>
-            </a:r>
+              <a:t>;</a:t>
+            </a:r>
+            <a:endParaRPr lang="en-US" sz="2800" dirty="0">
+              <a:latin typeface="Courier New" charset="0"/>
+              <a:cs typeface="Courier New" charset="0"/>
+            </a:endParaRPr>
           </a:p>
           <a:p>
             <a:pPr>
@@ -5797,39 +5828,53 @@
               <a:buNone/>
             </a:pPr>
             <a:r>
-              <a:rPr lang="en-US" sz="2800">
+              <a:rPr lang="en-US" sz="2800" dirty="0">
                 <a:latin typeface="Courier New" charset="0"/>
                 <a:cs typeface="Courier New" charset="0"/>
               </a:rPr>
-              <a:t>	scanf(</a:t>
-            </a:r>
-            <a:r>
-              <a:rPr lang="ja-JP" altLang="en-US" sz="2800">
+              <a:t>	</a:t>
+            </a:r>
+            <a:r>
+              <a:rPr lang="en-US" sz="2800" dirty="0" err="1">
                 <a:latin typeface="Courier New" charset="0"/>
                 <a:cs typeface="Courier New" charset="0"/>
               </a:rPr>
+              <a:t>printf</a:t>
+            </a:r>
+            <a:r>
+              <a:rPr lang="en-US" sz="2800" dirty="0">
+                <a:latin typeface="Courier New" charset="0"/>
+                <a:cs typeface="Courier New" charset="0"/>
+              </a:rPr>
+              <a:t>(</a:t>
+            </a:r>
+            <a:r>
+              <a:rPr lang="ja-JP" altLang="en-US" sz="2800" dirty="0">
+                <a:latin typeface="Courier New" charset="0"/>
+                <a:cs typeface="Courier New" charset="0"/>
+              </a:rPr>
               <a:t>“</a:t>
             </a:r>
             <a:r>
-              <a:rPr lang="en-US" altLang="ja-JP" sz="2800">
+              <a:rPr lang="en-US" altLang="ja-JP" sz="2800" dirty="0">
                 <a:latin typeface="Courier New" charset="0"/>
                 <a:cs typeface="Courier New" charset="0"/>
               </a:rPr>
-              <a:t>%s %c. %s</a:t>
-            </a:r>
-            <a:r>
-              <a:rPr lang="ja-JP" altLang="en-US" sz="2800">
+              <a:t>Enter name: </a:t>
+            </a:r>
+            <a:r>
+              <a:rPr lang="ja-JP" altLang="en-US" sz="2800" dirty="0">
                 <a:latin typeface="Courier New" charset="0"/>
                 <a:cs typeface="Courier New" charset="0"/>
               </a:rPr>
               <a:t>”</a:t>
             </a:r>
             <a:r>
-              <a:rPr lang="en-US" altLang="ja-JP" sz="2800">
+              <a:rPr lang="en-US" altLang="ja-JP" sz="2800" dirty="0">
                 <a:latin typeface="Courier New" charset="0"/>
                 <a:cs typeface="Courier New" charset="0"/>
               </a:rPr>
-              <a:t>, s.first,</a:t>
+              <a:t>);</a:t>
             </a:r>
           </a:p>
           <a:p>
@@ -5841,11 +5886,88 @@
               <a:buNone/>
             </a:pPr>
             <a:r>
-              <a:rPr lang="en-US" sz="2800">
+              <a:rPr lang="en-US" sz="2800" dirty="0">
                 <a:latin typeface="Courier New" charset="0"/>
                 <a:cs typeface="Courier New" charset="0"/>
               </a:rPr>
-              <a:t>			&amp;s.middle, s.last);</a:t>
+              <a:t>	</a:t>
+            </a:r>
+            <a:r>
+              <a:rPr lang="en-US" sz="2800" dirty="0" err="1">
+                <a:latin typeface="Courier New" charset="0"/>
+                <a:cs typeface="Courier New" charset="0"/>
+              </a:rPr>
+              <a:t>scanf</a:t>
+            </a:r>
+            <a:r>
+              <a:rPr lang="en-US" sz="2800" dirty="0">
+                <a:latin typeface="Courier New" charset="0"/>
+                <a:cs typeface="Courier New" charset="0"/>
+              </a:rPr>
+              <a:t>(</a:t>
+            </a:r>
+            <a:r>
+              <a:rPr lang="ja-JP" altLang="en-US" sz="2800" dirty="0">
+                <a:latin typeface="Courier New" charset="0"/>
+                <a:cs typeface="Courier New" charset="0"/>
+              </a:rPr>
+              <a:t>“</a:t>
+            </a:r>
+            <a:r>
+              <a:rPr lang="en-US" altLang="ja-JP" sz="2800" dirty="0">
+                <a:latin typeface="Courier New" charset="0"/>
+                <a:cs typeface="Courier New" charset="0"/>
+              </a:rPr>
+              <a:t>%s %</a:t>
+            </a:r>
+            <a:r>
+              <a:rPr lang="en-US" altLang="ja-JP" sz="2800" dirty="0" err="1" smtClean="0">
+                <a:latin typeface="Courier New" charset="0"/>
+                <a:cs typeface="Courier New" charset="0"/>
+              </a:rPr>
+              <a:t>c%c</a:t>
+            </a:r>
+            <a:r>
+              <a:rPr lang="en-US" altLang="ja-JP" sz="2800" dirty="0" smtClean="0">
+                <a:latin typeface="Courier New" charset="0"/>
+                <a:cs typeface="Courier New" charset="0"/>
+              </a:rPr>
+              <a:t> </a:t>
+            </a:r>
+            <a:r>
+              <a:rPr lang="en-US" altLang="ja-JP" sz="2800" dirty="0">
+                <a:latin typeface="Courier New" charset="0"/>
+                <a:cs typeface="Courier New" charset="0"/>
+              </a:rPr>
+              <a:t>%s</a:t>
+            </a:r>
+            <a:r>
+              <a:rPr lang="ja-JP" altLang="en-US" sz="2800" dirty="0">
+                <a:latin typeface="Courier New" charset="0"/>
+                <a:cs typeface="Courier New" charset="0"/>
+              </a:rPr>
+              <a:t>”</a:t>
+            </a:r>
+            <a:r>
+              <a:rPr lang="en-US" altLang="ja-JP" sz="2800" dirty="0">
+                <a:latin typeface="Courier New" charset="0"/>
+                <a:cs typeface="Courier New" charset="0"/>
+              </a:rPr>
+              <a:t>, </a:t>
+            </a:r>
+            <a:r>
+              <a:rPr lang="en-US" altLang="ja-JP" sz="2800" dirty="0" err="1">
+                <a:latin typeface="Courier New" charset="0"/>
+                <a:cs typeface="Courier New" charset="0"/>
+              </a:rPr>
+              <a:t>s.first</a:t>
+            </a:r>
+            <a:r>
+              <a:rPr lang="en-US" altLang="ja-JP" sz="2800" dirty="0">
+                <a:latin typeface="Courier New" charset="0"/>
+                <a:cs typeface="Courier New" charset="0"/>
+              </a:rPr>
+              <a:t>,</a:t>
             </a:r>
           </a:p>
           <a:p>
@@ -5857,35 +5979,56 @@
               <a:buNone/>
             </a:pPr>
             <a:r>
-              <a:rPr lang="en-US" sz="2800">
+              <a:rPr lang="en-US" sz="2800" dirty="0">
                 <a:latin typeface="Courier New" charset="0"/>
                 <a:cs typeface="Courier New" charset="0"/>
               </a:rPr>
-              <a:t>	printf(</a:t>
-            </a:r>
-            <a:r>
-              <a:rPr lang="ja-JP" altLang="en-US" sz="2800">
+              <a:t>			&amp;</a:t>
+            </a:r>
+            <a:r>
+              <a:rPr lang="en-US" sz="2800" dirty="0" err="1">
                 <a:latin typeface="Courier New" charset="0"/>
                 <a:cs typeface="Courier New" charset="0"/>
               </a:rPr>
-              <a:t>“</a:t>
-            </a:r>
-            <a:r>
-              <a:rPr lang="en-US" altLang="ja-JP" sz="2800">
+              <a:t>s.middle</a:t>
+            </a:r>
+            <a:r>
+              <a:rPr lang="en-US" sz="2800" dirty="0">
                 <a:latin typeface="Courier New" charset="0"/>
                 <a:cs typeface="Courier New" charset="0"/>
               </a:rPr>
-              <a:t>Enter ID #: </a:t>
-            </a:r>
-            <a:r>
-              <a:rPr lang="ja-JP" altLang="en-US" sz="2800">
+              <a:t>, </a:t>
+            </a:r>
+            <a:r>
+              <a:rPr lang="en-US" sz="2800" dirty="0" smtClean="0">
                 <a:latin typeface="Courier New" charset="0"/>
                 <a:cs typeface="Courier New" charset="0"/>
               </a:rPr>
-              <a:t>”</a:t>
-            </a:r>
-            <a:r>
-              <a:rPr lang="en-US" altLang="ja-JP" sz="2800">
+              <a:t>&amp;</a:t>
+            </a:r>
+            <a:r>
+              <a:rPr lang="en-US" sz="2800" dirty="0" err="1" smtClean="0">
+                <a:latin typeface="Courier New" charset="0"/>
+                <a:cs typeface="Courier New" charset="0"/>
+              </a:rPr>
+              <a:t>ch</a:t>
+            </a:r>
+            <a:r>
+              <a:rPr lang="en-US" sz="2800" dirty="0" smtClean="0">
+                <a:latin typeface="Courier New" charset="0"/>
+                <a:cs typeface="Courier New" charset="0"/>
+              </a:rPr>
+              <a:t>, </a:t>
+            </a:r>
+            <a:r>
+              <a:rPr lang="en-US" sz="2800" dirty="0" err="1" smtClean="0">
+                <a:latin typeface="Courier New" charset="0"/>
+                <a:cs typeface="Courier New" charset="0"/>
+              </a:rPr>
+              <a:t>s.last</a:t>
+            </a:r>
+            <a:r>
+              <a:rPr lang="en-US" sz="2800" dirty="0">
                 <a:latin typeface="Courier New" charset="0"/>
                 <a:cs typeface="Courier New" charset="0"/>
               </a:rPr>
@@ -5901,39 +6044,53 @@
               <a:buNone/>
             </a:pPr>
             <a:r>
-              <a:rPr lang="en-US" sz="2800">
+              <a:rPr lang="en-US" sz="2800" dirty="0">
                 <a:latin typeface="Courier New" charset="0"/>
                 <a:cs typeface="Courier New" charset="0"/>
               </a:rPr>
-              <a:t>	scanf(</a:t>
-            </a:r>
-            <a:r>
-              <a:rPr lang="ja-JP" altLang="en-US" sz="2800">
+              <a:t>	</a:t>
+            </a:r>
+            <a:r>
+              <a:rPr lang="en-US" sz="2800" dirty="0" err="1">
                 <a:latin typeface="Courier New" charset="0"/>
                 <a:cs typeface="Courier New" charset="0"/>
               </a:rPr>
+              <a:t>printf</a:t>
+            </a:r>
+            <a:r>
+              <a:rPr lang="en-US" sz="2800" dirty="0">
+                <a:latin typeface="Courier New" charset="0"/>
+                <a:cs typeface="Courier New" charset="0"/>
+              </a:rPr>
+              <a:t>(</a:t>
+            </a:r>
+            <a:r>
+              <a:rPr lang="ja-JP" altLang="en-US" sz="2800" dirty="0">
+                <a:latin typeface="Courier New" charset="0"/>
+                <a:cs typeface="Courier New" charset="0"/>
+              </a:rPr>
               <a:t>“</a:t>
             </a:r>
             <a:r>
-              <a:rPr lang="en-US" altLang="ja-JP" sz="2800">
+              <a:rPr lang="en-US" altLang="ja-JP" sz="2800" dirty="0">
                 <a:latin typeface="Courier New" charset="0"/>
                 <a:cs typeface="Courier New" charset="0"/>
               </a:rPr>
-              <a:t>%u</a:t>
-            </a:r>
-            <a:r>
-              <a:rPr lang="ja-JP" altLang="en-US" sz="2800">
+              <a:t>Enter ID #: </a:t>
+            </a:r>
+            <a:r>
+              <a:rPr lang="ja-JP" altLang="en-US" sz="2800" dirty="0">
                 <a:latin typeface="Courier New" charset="0"/>
                 <a:cs typeface="Courier New" charset="0"/>
               </a:rPr>
               <a:t>”</a:t>
             </a:r>
             <a:r>
-              <a:rPr lang="en-US" altLang="ja-JP" sz="2800">
+              <a:rPr lang="en-US" altLang="ja-JP" sz="2800" dirty="0">
                 <a:latin typeface="Courier New" charset="0"/>
                 <a:cs typeface="Courier New" charset="0"/>
               </a:rPr>
-              <a:t>, &amp;s.ID);</a:t>
+              <a:t>);</a:t>
             </a:r>
           </a:p>
           <a:p>
@@ -5945,39 +6102,53 @@
               <a:buNone/>
             </a:pPr>
             <a:r>
-              <a:rPr lang="en-US" sz="2800">
+              <a:rPr lang="en-US" sz="2800" dirty="0">
                 <a:latin typeface="Courier New" charset="0"/>
                 <a:cs typeface="Courier New" charset="0"/>
               </a:rPr>
-              <a:t>	printf(</a:t>
-            </a:r>
-            <a:r>
-              <a:rPr lang="ja-JP" altLang="en-US" sz="2800">
+              <a:t>	</a:t>
+            </a:r>
+            <a:r>
+              <a:rPr lang="en-US" sz="2800" dirty="0" err="1">
                 <a:latin typeface="Courier New" charset="0"/>
                 <a:cs typeface="Courier New" charset="0"/>
               </a:rPr>
+              <a:t>scanf</a:t>
+            </a:r>
+            <a:r>
+              <a:rPr lang="en-US" sz="2800" dirty="0">
+                <a:latin typeface="Courier New" charset="0"/>
+                <a:cs typeface="Courier New" charset="0"/>
+              </a:rPr>
+              <a:t>(</a:t>
+            </a:r>
+            <a:r>
+              <a:rPr lang="ja-JP" altLang="en-US" sz="2800" dirty="0">
+                <a:latin typeface="Courier New" charset="0"/>
+                <a:cs typeface="Courier New" charset="0"/>
+              </a:rPr>
               <a:t>“</a:t>
             </a:r>
             <a:r>
-              <a:rPr lang="en-US" altLang="ja-JP" sz="2800">
+              <a:rPr lang="en-US" altLang="ja-JP" sz="2800" dirty="0">
                 <a:latin typeface="Courier New" charset="0"/>
                 <a:cs typeface="Courier New" charset="0"/>
               </a:rPr>
-              <a:t>Enter GPA: </a:t>
-            </a:r>
-            <a:r>
-              <a:rPr lang="ja-JP" altLang="en-US" sz="2800">
+              <a:t>%u</a:t>
+            </a:r>
+            <a:r>
+              <a:rPr lang="ja-JP" altLang="en-US" sz="2800" dirty="0">
                 <a:latin typeface="Courier New" charset="0"/>
                 <a:cs typeface="Courier New" charset="0"/>
               </a:rPr>
               <a:t>”</a:t>
             </a:r>
             <a:r>
-              <a:rPr lang="en-US" altLang="ja-JP" sz="2800">
+              <a:rPr lang="en-US" altLang="ja-JP" sz="2800" dirty="0">
                 <a:latin typeface="Courier New" charset="0"/>
                 <a:cs typeface="Courier New" charset="0"/>
               </a:rPr>
-              <a:t>);</a:t>
+              <a:t>, &amp;s.ID);</a:t>
             </a:r>
           </a:p>
           <a:p>
@@ -5989,39 +6160,53 @@
               <a:buNone/>
             </a:pPr>
             <a:r>
-              <a:rPr lang="en-US" sz="2800">
+              <a:rPr lang="en-US" sz="2800" dirty="0">
                 <a:latin typeface="Courier New" charset="0"/>
                 <a:cs typeface="Courier New" charset="0"/>
               </a:rPr>
-              <a:t>	scanf(</a:t>
-            </a:r>
-            <a:r>
-              <a:rPr lang="ja-JP" altLang="en-US" sz="2800">
+              <a:t>	</a:t>
+            </a:r>
+            <a:r>
+              <a:rPr lang="en-US" sz="2800" dirty="0" err="1">
                 <a:latin typeface="Courier New" charset="0"/>
                 <a:cs typeface="Courier New" charset="0"/>
               </a:rPr>
+              <a:t>printf</a:t>
+            </a:r>
+            <a:r>
+              <a:rPr lang="en-US" sz="2800" dirty="0">
+                <a:latin typeface="Courier New" charset="0"/>
+                <a:cs typeface="Courier New" charset="0"/>
+              </a:rPr>
+              <a:t>(</a:t>
+            </a:r>
+            <a:r>
+              <a:rPr lang="ja-JP" altLang="en-US" sz="2800" dirty="0">
+                <a:latin typeface="Courier New" charset="0"/>
+                <a:cs typeface="Courier New" charset="0"/>
+              </a:rPr>
               <a:t>“</a:t>
             </a:r>
             <a:r>
-              <a:rPr lang="en-US" altLang="ja-JP" sz="2800">
+              <a:rPr lang="en-US" altLang="ja-JP" sz="2800" dirty="0">
                 <a:latin typeface="Courier New" charset="0"/>
                 <a:cs typeface="Courier New" charset="0"/>
               </a:rPr>
-              <a:t>%lf</a:t>
-            </a:r>
-            <a:r>
-              <a:rPr lang="ja-JP" altLang="en-US" sz="2800">
+              <a:t>Enter GPA: </a:t>
+            </a:r>
+            <a:r>
+              <a:rPr lang="ja-JP" altLang="en-US" sz="2800" dirty="0">
                 <a:latin typeface="Courier New" charset="0"/>
                 <a:cs typeface="Courier New" charset="0"/>
               </a:rPr>
               <a:t>”</a:t>
             </a:r>
             <a:r>
-              <a:rPr lang="en-US" altLang="ja-JP" sz="2800">
+              <a:rPr lang="en-US" altLang="ja-JP" sz="2800" dirty="0">
                 <a:latin typeface="Courier New" charset="0"/>
                 <a:cs typeface="Courier New" charset="0"/>
               </a:rPr>
-              <a:t>, &amp;s.GPA);</a:t>
+              <a:t>);</a:t>
             </a:r>
           </a:p>
           <a:p>
@@ -6033,11 +6218,67 @@
               <a:buNone/>
             </a:pPr>
             <a:r>
-              <a:rPr lang="en-US" sz="2800">
+              <a:rPr lang="en-US" sz="2800" dirty="0">
                 <a:latin typeface="Courier New" charset="0"/>
                 <a:cs typeface="Courier New" charset="0"/>
               </a:rPr>
-              <a:t>	return s;</a:t>
+              <a:t>	</a:t>
+            </a:r>
+            <a:r>
+              <a:rPr lang="en-US" sz="2800" dirty="0" err="1">
+                <a:latin typeface="Courier New" charset="0"/>
+                <a:cs typeface="Courier New" charset="0"/>
+              </a:rPr>
+              <a:t>scanf</a:t>
+            </a:r>
+            <a:r>
+              <a:rPr lang="en-US" sz="2800" dirty="0">
+                <a:latin typeface="Courier New" charset="0"/>
+                <a:cs typeface="Courier New" charset="0"/>
+              </a:rPr>
+              <a:t>(</a:t>
+            </a:r>
+            <a:r>
+              <a:rPr lang="ja-JP" altLang="en-US" sz="2800" dirty="0">
+                <a:latin typeface="Courier New" charset="0"/>
+                <a:cs typeface="Courier New" charset="0"/>
+              </a:rPr>
+              <a:t>“</a:t>
+            </a:r>
+            <a:r>
+              <a:rPr lang="en-US" altLang="ja-JP" sz="2800" dirty="0">
+                <a:latin typeface="Courier New" charset="0"/>
+                <a:cs typeface="Courier New" charset="0"/>
+              </a:rPr>
+              <a:t>%lf</a:t>
+            </a:r>
+            <a:r>
+              <a:rPr lang="ja-JP" altLang="en-US" sz="2800" dirty="0">
+                <a:latin typeface="Courier New" charset="0"/>
+                <a:cs typeface="Courier New" charset="0"/>
+              </a:rPr>
+              <a:t>”</a:t>
+            </a:r>
+            <a:r>
+              <a:rPr lang="en-US" altLang="ja-JP" sz="2800" dirty="0">
+                <a:latin typeface="Courier New" charset="0"/>
+                <a:cs typeface="Courier New" charset="0"/>
+              </a:rPr>
+              <a:t>, &amp;</a:t>
+            </a:r>
+            <a:r>
+              <a:rPr lang="en-US" altLang="ja-JP" sz="2800" dirty="0" err="1">
+                <a:latin typeface="Courier New" charset="0"/>
+                <a:cs typeface="Courier New" charset="0"/>
+              </a:rPr>
+              <a:t>s.GPA</a:t>
+            </a:r>
+            <a:r>
+              <a:rPr lang="en-US" altLang="ja-JP" sz="2800" dirty="0">
+                <a:latin typeface="Courier New" charset="0"/>
+                <a:cs typeface="Courier New" charset="0"/>
+              </a:rPr>
+              <a:t>);</a:t>
             </a:r>
           </a:p>
           <a:p>
@@ -6049,7 +6290,23 @@
               <a:buNone/>
             </a:pPr>
             <a:r>
-              <a:rPr lang="en-US" sz="2800">
+              <a:rPr lang="en-US" sz="2800" dirty="0">
+                <a:latin typeface="Courier New" charset="0"/>
+                <a:cs typeface="Courier New" charset="0"/>
+              </a:rPr>
+              <a:t>	return s;</a:t>
+            </a:r>
+          </a:p>
+          <a:p>
+            <a:pPr>
+              <a:lnSpc>
+                <a:spcPct val="80000"/>
+              </a:lnSpc>
+              <a:buFont typeface="Wingdings" charset="0"/>
+              <a:buNone/>
+            </a:pPr>
+            <a:r>
+              <a:rPr lang="en-US" sz="2800" dirty="0">
                 <a:latin typeface="Courier New" charset="0"/>
                 <a:cs typeface="Courier New" charset="0"/>
               </a:rPr>
@@ -6208,7 +6465,7 @@
                 <a:latin typeface="Garamond" charset="0"/>
                 <a:cs typeface="Arial" charset="0"/>
               </a:rPr>
-              <a:t>11/14/18</a:t>
+              <a:t>11/19/18</a:t>
             </a:fld>
             <a:endParaRPr lang="en-US" sz="1200">
               <a:latin typeface="Garamond" charset="0"/>
@@ -6998,7 +7255,7 @@
               <a:rPr lang="en-US" sz="1200" smtClean="0">
                 <a:latin typeface="Garamond" charset="0"/>
               </a:rPr>
-              <a:t>11/14/18</a:t>
+              <a:t>11/19/18</a:t>
             </a:fld>
             <a:endParaRPr lang="en-US" sz="1200">
               <a:latin typeface="Garamond" charset="0"/>
@@ -7208,7 +7465,7 @@
       </p:grpSpPr>
       <p:sp>
         <p:nvSpPr>
-          <p:cNvPr id="12290" name="Title 1"/>
+          <p:cNvPr id="40961" name="Title 1"/>
           <p:cNvSpPr>
             <a:spLocks noGrp="1"/>
           </p:cNvSpPr>
@@ -7225,14 +7482,14 @@
               <a:rPr lang="en-US">
                 <a:latin typeface="Garamond" charset="0"/>
               </a:rPr>
-              <a:t>PE4 (Structures)</a:t>
-            </a:r>
-          </a:p>
-        </p:txBody>
-      </p:sp>
-      <p:sp>
-        <p:nvSpPr>
-          <p:cNvPr id="12291" name="Content Placeholder 2"/>
+              <a:t>Final notes</a:t>
+            </a:r>
+          </a:p>
+        </p:txBody>
+      </p:sp>
+      <p:sp>
+        <p:nvSpPr>
+          <p:cNvPr id="40962" name="Content Placeholder 2"/>
           <p:cNvSpPr>
             <a:spLocks noGrp="1"/>
           </p:cNvSpPr>
@@ -7242,139 +7499,112 @@
         </p:nvSpPr>
         <p:spPr/>
         <p:txBody>
-          <a:bodyPr/>
+          <a:bodyPr>
+            <a:normAutofit/>
+          </a:bodyPr>
           <a:lstStyle/>
           <a:p>
             <a:r>
-              <a:rPr lang="en-US">
-                <a:latin typeface="Arial" charset="0"/>
-              </a:rPr>
-              <a:t>Given header files, main program</a:t>
-            </a:r>
-          </a:p>
-          <a:p>
-            <a:r>
-              <a:rPr lang="en-US">
-                <a:latin typeface="Arial" charset="0"/>
-                <a:cs typeface="Courier New" charset="0"/>
-              </a:rPr>
-              <a:t>Complete specified functions</a:t>
-            </a:r>
+              <a:rPr lang="en-US" dirty="0">
+                <a:latin typeface="Arial" charset="0"/>
+              </a:rPr>
+              <a:t>Next </a:t>
+            </a:r>
+            <a:r>
+              <a:rPr lang="en-US" dirty="0" smtClean="0">
+                <a:latin typeface="Arial" charset="0"/>
+              </a:rPr>
+              <a:t>time </a:t>
+            </a:r>
+            <a:r>
+              <a:rPr lang="en-US" i="1" dirty="0" smtClean="0">
+                <a:latin typeface="Arial" charset="0"/>
+              </a:rPr>
+              <a:t>(Monday, 11/26)</a:t>
+            </a:r>
+            <a:endParaRPr lang="en-US" dirty="0">
+              <a:latin typeface="Arial" charset="0"/>
+            </a:endParaRPr>
           </a:p>
           <a:p>
             <a:pPr lvl="1"/>
             <a:r>
-              <a:rPr lang="en-US">
-                <a:latin typeface="Arial" charset="0"/>
-                <a:cs typeface="Courier New" charset="0"/>
-              </a:rPr>
-              <a:t>For the </a:t>
-            </a:r>
-            <a:r>
-              <a:rPr lang="en-US">
-                <a:latin typeface="Courier New" charset="0"/>
-                <a:cs typeface="Courier New" charset="0"/>
-              </a:rPr>
-              <a:t>Name</a:t>
-            </a:r>
-            <a:r>
-              <a:rPr lang="en-US">
-                <a:latin typeface="Arial" charset="0"/>
-                <a:cs typeface="Courier New" charset="0"/>
-              </a:rPr>
-              <a:t> structure</a:t>
+              <a:rPr lang="en-US" dirty="0" smtClean="0">
+                <a:latin typeface="Arial" charset="0"/>
+              </a:rPr>
+              <a:t>PE3: Structures</a:t>
+            </a:r>
+            <a:endParaRPr lang="en-US" dirty="0">
+              <a:latin typeface="Arial" charset="0"/>
+            </a:endParaRPr>
+          </a:p>
+          <a:p>
+            <a:r>
+              <a:rPr lang="en-US" dirty="0">
+                <a:latin typeface="Arial" charset="0"/>
+              </a:rPr>
+              <a:t>Reminders:</a:t>
+            </a:r>
+          </a:p>
+          <a:p>
+            <a:pPr lvl="1"/>
+            <a:r>
+              <a:rPr lang="en-US" dirty="0">
+                <a:latin typeface="Arial" charset="0"/>
+              </a:rPr>
+              <a:t>Program 6 due today</a:t>
             </a:r>
           </a:p>
           <a:p>
             <a:pPr lvl="2"/>
             <a:r>
-              <a:rPr lang="en-US" b="1">
-                <a:solidFill>
-                  <a:srgbClr val="0000FF"/>
-                </a:solidFill>
-                <a:latin typeface="Courier New" charset="0"/>
-                <a:cs typeface="Courier New" charset="0"/>
-              </a:rPr>
-              <a:t>void printName(Name *n)</a:t>
-            </a:r>
-            <a:r>
-              <a:rPr lang="en-US">
-                <a:latin typeface="Arial" charset="0"/>
-                <a:cs typeface="Courier New" charset="0"/>
-              </a:rPr>
-              <a:t>: Print the name pointed to by </a:t>
-            </a:r>
-            <a:r>
-              <a:rPr lang="en-US">
-                <a:latin typeface="Courier New" charset="0"/>
-                <a:cs typeface="Courier New" charset="0"/>
-              </a:rPr>
-              <a:t>n</a:t>
-            </a:r>
-            <a:r>
-              <a:rPr lang="en-US">
-                <a:latin typeface="Arial" charset="0"/>
-                <a:cs typeface="Courier New" charset="0"/>
-              </a:rPr>
-              <a:t>, using format </a:t>
-            </a:r>
-            <a:r>
-              <a:rPr lang="en-US">
-                <a:latin typeface="Courier New" charset="0"/>
-                <a:cs typeface="Courier New" charset="0"/>
-              </a:rPr>
-              <a:t>&lt;first&gt; &lt;middle&gt;. &lt;last&gt;</a:t>
+              <a:rPr lang="en-US" dirty="0">
+                <a:latin typeface="Arial" charset="0"/>
+              </a:rPr>
+              <a:t>Late penalties capped at -1 between Tuesday, 11/20 and Monday, 11/26</a:t>
             </a:r>
           </a:p>
           <a:p>
             <a:pPr lvl="2"/>
             <a:r>
-              <a:rPr lang="en-US" b="1">
-                <a:solidFill>
-                  <a:srgbClr val="0000FF"/>
-                </a:solidFill>
-                <a:latin typeface="Courier New" charset="0"/>
-                <a:cs typeface="Courier New" charset="0"/>
-              </a:rPr>
-              <a:t>void readName(Name *n)</a:t>
-            </a:r>
-            <a:r>
-              <a:rPr lang="en-US">
-                <a:latin typeface="Arial" charset="0"/>
-                <a:cs typeface="Courier New" charset="0"/>
-              </a:rPr>
-              <a:t>: Prompt for and read a first, middle, and last name, and store them in the structure pointed to by </a:t>
-            </a:r>
-            <a:r>
-              <a:rPr lang="en-US">
-                <a:latin typeface="Courier New" charset="0"/>
-                <a:cs typeface="Courier New" charset="0"/>
-              </a:rPr>
-              <a:t>n</a:t>
+              <a:rPr lang="en-US" dirty="0">
+                <a:latin typeface="Arial" charset="0"/>
+              </a:rPr>
+              <a:t>Penalties for that assignment begin increasing again Tuesday, 11/27</a:t>
             </a:r>
           </a:p>
           <a:p>
             <a:pPr lvl="1"/>
             <a:r>
-              <a:rPr lang="en-US">
-                <a:latin typeface="Courier New" charset="0"/>
-                <a:cs typeface="Courier New" charset="0"/>
-              </a:rPr>
-              <a:t>SINew </a:t>
-            </a:r>
-            <a:r>
-              <a:rPr lang="en-US">
-                <a:latin typeface="Arial" charset="0"/>
-                <a:cs typeface="Courier New" charset="0"/>
-              </a:rPr>
-              <a:t>functions on next slide</a:t>
-            </a:r>
-          </a:p>
-        </p:txBody>
-      </p:sp>
-      <p:sp>
-        <p:nvSpPr>
-          <p:cNvPr id="12292" name="Date Placeholder 3"/>
+              <a:rPr lang="en-US" dirty="0">
+                <a:latin typeface="Arial" charset="0"/>
+              </a:rPr>
+              <a:t>Program 5 regrades due Monday, </a:t>
+            </a:r>
+            <a:r>
+              <a:rPr lang="en-US" dirty="0" smtClean="0">
+                <a:latin typeface="Arial" charset="0"/>
+              </a:rPr>
+              <a:t>11/26</a:t>
+            </a:r>
+          </a:p>
+          <a:p>
+            <a:pPr lvl="1"/>
+            <a:r>
+              <a:rPr lang="en-US" dirty="0" smtClean="0">
+                <a:latin typeface="Arial" charset="0"/>
+              </a:rPr>
+              <a:t>Program 7 to be posted; due Tuesday, 12/4</a:t>
+            </a:r>
+            <a:endParaRPr lang="en-US" dirty="0">
+              <a:latin typeface="Arial" charset="0"/>
+            </a:endParaRPr>
+          </a:p>
+        </p:txBody>
+      </p:sp>
+      <p:sp>
+        <p:nvSpPr>
+          <p:cNvPr id="40963" name="Date Placeholder 3"/>
           <p:cNvSpPr>
             <a:spLocks noGrp="1"/>
           </p:cNvSpPr>
@@ -7408,8 +7638,8 @@
         <p:txBody>
           <a:bodyPr/>
           <a:lstStyle>
-            <a:lvl1pPr>
-              <a:defRPr sz="3000">
+            <a:lvl1pPr eaLnBrk="0" hangingPunct="0">
+              <a:defRPr sz="2400">
                 <a:solidFill>
                   <a:schemeClr val="tx1"/>
                 </a:solidFill>
@@ -7418,8 +7648,8 @@
                 <a:cs typeface="ＭＳ Ｐゴシック" charset="0"/>
               </a:defRPr>
             </a:lvl1pPr>
-            <a:lvl2pPr marL="742950" indent="-285750">
-              <a:defRPr sz="2600">
+            <a:lvl2pPr marL="742950" indent="-285750" eaLnBrk="0" hangingPunct="0">
+              <a:defRPr sz="2400">
                 <a:solidFill>
                   <a:schemeClr val="tx1"/>
                 </a:solidFill>
@@ -7427,8 +7657,8 @@
                 <a:ea typeface="ＭＳ Ｐゴシック" charset="0"/>
               </a:defRPr>
             </a:lvl2pPr>
-            <a:lvl3pPr marL="1143000" indent="-228600">
-              <a:defRPr sz="2200">
+            <a:lvl3pPr marL="1143000" indent="-228600" eaLnBrk="0" hangingPunct="0">
+              <a:defRPr sz="2400">
                 <a:solidFill>
                   <a:schemeClr val="tx1"/>
                 </a:solidFill>
@@ -7436,8 +7666,8 @@
                 <a:ea typeface="ＭＳ Ｐゴシック" charset="0"/>
               </a:defRPr>
             </a:lvl3pPr>
-            <a:lvl4pPr marL="1600200" indent="-228600">
-              <a:defRPr sz="2000">
+            <a:lvl4pPr marL="1600200" indent="-228600" eaLnBrk="0" hangingPunct="0">
+              <a:defRPr sz="2400">
                 <a:solidFill>
                   <a:schemeClr val="tx1"/>
                 </a:solidFill>
@@ -7445,8 +7675,8 @@
                 <a:ea typeface="ＭＳ Ｐゴシック" charset="0"/>
               </a:defRPr>
             </a:lvl4pPr>
-            <a:lvl5pPr marL="2057400" indent="-228600">
-              <a:defRPr sz="2000">
+            <a:lvl5pPr marL="2057400" indent="-228600" eaLnBrk="0" hangingPunct="0">
+              <a:defRPr sz="2400">
                 <a:solidFill>
                   <a:schemeClr val="tx1"/>
                 </a:solidFill>
@@ -7454,9 +7684,14 @@
                 <a:ea typeface="ＭＳ Ｐゴシック" charset="0"/>
               </a:defRPr>
             </a:lvl5pPr>
-            <a:lvl6pPr marL="2514600" indent="-228600" eaLnBrk="0" hangingPunct="0">
-              <a:buFont typeface="Wingdings" charset="0"/>
-              <a:defRPr sz="2000">
+            <a:lvl6pPr marL="2514600" indent="-228600" eaLnBrk="0" fontAlgn="base" hangingPunct="0">
+              <a:spcBef>
+                <a:spcPct val="0"/>
+              </a:spcBef>
+              <a:spcAft>
+                <a:spcPct val="0"/>
+              </a:spcAft>
+              <a:defRPr sz="2400">
                 <a:solidFill>
                   <a:schemeClr val="tx1"/>
                 </a:solidFill>
@@ -7464,9 +7699,14 @@
                 <a:ea typeface="ＭＳ Ｐゴシック" charset="0"/>
               </a:defRPr>
             </a:lvl6pPr>
-            <a:lvl7pPr marL="2971800" indent="-228600" eaLnBrk="0" hangingPunct="0">
-              <a:buFont typeface="Wingdings" charset="0"/>
-              <a:defRPr sz="2000">
+            <a:lvl7pPr marL="2971800" indent="-228600" eaLnBrk="0" fontAlgn="base" hangingPunct="0">
+              <a:spcBef>
+                <a:spcPct val="0"/>
+              </a:spcBef>
+              <a:spcAft>
+                <a:spcPct val="0"/>
+              </a:spcAft>
+              <a:defRPr sz="2400">
                 <a:solidFill>
                   <a:schemeClr val="tx1"/>
                 </a:solidFill>
@@ -7474,9 +7714,14 @@
                 <a:ea typeface="ＭＳ Ｐゴシック" charset="0"/>
               </a:defRPr>
             </a:lvl7pPr>
-            <a:lvl8pPr marL="3429000" indent="-228600" eaLnBrk="0" hangingPunct="0">
-              <a:buFont typeface="Wingdings" charset="0"/>
-              <a:defRPr sz="2000">
+            <a:lvl8pPr marL="3429000" indent="-228600" eaLnBrk="0" fontAlgn="base" hangingPunct="0">
+              <a:spcBef>
+                <a:spcPct val="0"/>
+              </a:spcBef>
+              <a:spcAft>
+                <a:spcPct val="0"/>
+              </a:spcAft>
+              <a:defRPr sz="2400">
                 <a:solidFill>
                   <a:schemeClr val="tx1"/>
                 </a:solidFill>
@@ -7484,9 +7729,14 @@
                 <a:ea typeface="ＭＳ Ｐゴシック" charset="0"/>
               </a:defRPr>
             </a:lvl8pPr>
-            <a:lvl9pPr marL="3886200" indent="-228600" eaLnBrk="0" hangingPunct="0">
-              <a:buFont typeface="Wingdings" charset="0"/>
-              <a:defRPr sz="2000">
+            <a:lvl9pPr marL="3886200" indent="-228600" eaLnBrk="0" fontAlgn="base" hangingPunct="0">
+              <a:spcBef>
+                <a:spcPct val="0"/>
+              </a:spcBef>
+              <a:spcAft>
+                <a:spcPct val="0"/>
+              </a:spcAft>
+              <a:defRPr sz="2400">
                 <a:solidFill>
                   <a:schemeClr val="tx1"/>
                 </a:solidFill>
@@ -7496,16 +7746,15 @@
             </a:lvl9pPr>
           </a:lstStyle>
           <a:p>
-            <a:fld id="{378B27CF-44D3-7B4E-BA43-00FCA83CB5CE}" type="datetime1">
+            <a:pPr eaLnBrk="1" hangingPunct="1"/>
+            <a:fld id="{E59FBBB3-C757-9640-AB61-1DF9F6555D17}" type="datetime1">
               <a:rPr lang="en-US" sz="1200" smtClean="0">
                 <a:latin typeface="Garamond" charset="0"/>
-                <a:cs typeface="Arial" charset="0"/>
-              </a:rPr>
-              <a:t>11/14/18</a:t>
+              </a:rPr>
+              <a:t>11/19/18</a:t>
             </a:fld>
             <a:endParaRPr lang="en-US" sz="1200">
               <a:latin typeface="Garamond" charset="0"/>
-              <a:cs typeface="Arial" charset="0"/>
             </a:endParaRPr>
           </a:p>
         </p:txBody>
@@ -7538,7 +7787,7 @@
       </p:sp>
       <p:sp>
         <p:nvSpPr>
-          <p:cNvPr id="12294" name="Slide Number Placeholder 5"/>
+          <p:cNvPr id="40965" name="Slide Number Placeholder 5"/>
           <p:cNvSpPr>
             <a:spLocks noGrp="1"/>
           </p:cNvSpPr>
@@ -7572,1485 +7821,6 @@
         <p:txBody>
           <a:bodyPr/>
           <a:lstStyle>
-            <a:lvl1pPr>
-              <a:defRPr sz="3000">
-                <a:solidFill>
-                  <a:schemeClr val="tx1"/>
-                </a:solidFill>
-                <a:latin typeface="Arial" charset="0"/>
-                <a:ea typeface="ＭＳ Ｐゴシック" charset="0"/>
-                <a:cs typeface="ＭＳ Ｐゴシック" charset="0"/>
-              </a:defRPr>
-            </a:lvl1pPr>
-            <a:lvl2pPr marL="742950" indent="-285750">
-              <a:defRPr sz="2600">
-                <a:solidFill>
-                  <a:schemeClr val="tx1"/>
-                </a:solidFill>
-                <a:latin typeface="Arial" charset="0"/>
-                <a:ea typeface="ＭＳ Ｐゴシック" charset="0"/>
-              </a:defRPr>
-            </a:lvl2pPr>
-            <a:lvl3pPr marL="1143000" indent="-228600">
-              <a:defRPr sz="2200">
-                <a:solidFill>
-                  <a:schemeClr val="tx1"/>
-                </a:solidFill>
-                <a:latin typeface="Arial" charset="0"/>
-                <a:ea typeface="ＭＳ Ｐゴシック" charset="0"/>
-              </a:defRPr>
-            </a:lvl3pPr>
-            <a:lvl4pPr marL="1600200" indent="-228600">
-              <a:defRPr sz="2000">
-                <a:solidFill>
-                  <a:schemeClr val="tx1"/>
-                </a:solidFill>
-                <a:latin typeface="Arial" charset="0"/>
-                <a:ea typeface="ＭＳ Ｐゴシック" charset="0"/>
-              </a:defRPr>
-            </a:lvl4pPr>
-            <a:lvl5pPr marL="2057400" indent="-228600">
-              <a:defRPr sz="2000">
-                <a:solidFill>
-                  <a:schemeClr val="tx1"/>
-                </a:solidFill>
-                <a:latin typeface="Arial" charset="0"/>
-                <a:ea typeface="ＭＳ Ｐゴシック" charset="0"/>
-              </a:defRPr>
-            </a:lvl5pPr>
-            <a:lvl6pPr marL="2514600" indent="-228600" eaLnBrk="0" hangingPunct="0">
-              <a:buFont typeface="Wingdings" charset="0"/>
-              <a:defRPr sz="2000">
-                <a:solidFill>
-                  <a:schemeClr val="tx1"/>
-                </a:solidFill>
-                <a:latin typeface="Arial" charset="0"/>
-                <a:ea typeface="ＭＳ Ｐゴシック" charset="0"/>
-              </a:defRPr>
-            </a:lvl6pPr>
-            <a:lvl7pPr marL="2971800" indent="-228600" eaLnBrk="0" hangingPunct="0">
-              <a:buFont typeface="Wingdings" charset="0"/>
-              <a:defRPr sz="2000">
-                <a:solidFill>
-                  <a:schemeClr val="tx1"/>
-                </a:solidFill>
-                <a:latin typeface="Arial" charset="0"/>
-                <a:ea typeface="ＭＳ Ｐゴシック" charset="0"/>
-              </a:defRPr>
-            </a:lvl7pPr>
-            <a:lvl8pPr marL="3429000" indent="-228600" eaLnBrk="0" hangingPunct="0">
-              <a:buFont typeface="Wingdings" charset="0"/>
-              <a:defRPr sz="2000">
-                <a:solidFill>
-                  <a:schemeClr val="tx1"/>
-                </a:solidFill>
-                <a:latin typeface="Arial" charset="0"/>
-                <a:ea typeface="ＭＳ Ｐゴシック" charset="0"/>
-              </a:defRPr>
-            </a:lvl8pPr>
-            <a:lvl9pPr marL="3886200" indent="-228600" eaLnBrk="0" hangingPunct="0">
-              <a:buFont typeface="Wingdings" charset="0"/>
-              <a:defRPr sz="2000">
-                <a:solidFill>
-                  <a:schemeClr val="tx1"/>
-                </a:solidFill>
-                <a:latin typeface="Arial" charset="0"/>
-                <a:ea typeface="ＭＳ Ｐゴシック" charset="0"/>
-              </a:defRPr>
-            </a:lvl9pPr>
-          </a:lstStyle>
-          <a:p>
-            <a:fld id="{3D9A987A-D159-9644-BEE1-D2C88F52364D}" type="slidenum">
-              <a:rPr lang="en-US" sz="1200">
-                <a:latin typeface="Garamond" charset="0"/>
-                <a:cs typeface="Arial" charset="0"/>
-              </a:rPr>
-              <a:pPr/>
-              <a:t>12</a:t>
-            </a:fld>
-            <a:endParaRPr lang="en-US" sz="1200">
-              <a:latin typeface="Garamond" charset="0"/>
-              <a:cs typeface="Arial" charset="0"/>
-            </a:endParaRPr>
-          </a:p>
-        </p:txBody>
-      </p:sp>
-    </p:spTree>
-    <p:extLst>
-      <p:ext uri="{BB962C8B-B14F-4D97-AF65-F5344CB8AC3E}">
-        <p14:creationId xmlns:p14="http://schemas.microsoft.com/office/powerpoint/2010/main" val="1953460151"/>
-      </p:ext>
-    </p:extLst>
-  </p:cSld>
-  <p:clrMapOvr>
-    <a:masterClrMapping/>
-  </p:clrMapOvr>
-  <p:timing>
-    <p:tnLst>
-      <p:par>
-        <p:cTn id="1" dur="indefinite" restart="never" nodeType="tmRoot"/>
-      </p:par>
-    </p:tnLst>
-  </p:timing>
-</p:sld>
-</file>
-
-<file path=ppt/slides/slide13.xml><?xml version="1.0" encoding="utf-8"?>
-<p:sld xmlns:a="http://schemas.openxmlformats.org/drawingml/2006/main" xmlns:r="http://schemas.openxmlformats.org/officeDocument/2006/relationships" xmlns:p="http://schemas.openxmlformats.org/presentationml/2006/main">
-  <p:cSld>
-    <p:spTree>
-      <p:nvGrpSpPr>
-        <p:cNvPr id="1" name=""/>
-        <p:cNvGrpSpPr/>
-        <p:nvPr/>
-      </p:nvGrpSpPr>
-      <p:grpSpPr>
-        <a:xfrm>
-          <a:off x="0" y="0"/>
-          <a:ext cx="0" cy="0"/>
-          <a:chOff x="0" y="0"/>
-          <a:chExt cx="0" cy="0"/>
-        </a:xfrm>
-      </p:grpSpPr>
-      <p:sp>
-        <p:nvSpPr>
-          <p:cNvPr id="13314" name="Title 1"/>
-          <p:cNvSpPr>
-            <a:spLocks noGrp="1"/>
-          </p:cNvSpPr>
-          <p:nvPr>
-            <p:ph type="title"/>
-          </p:nvPr>
-        </p:nvSpPr>
-        <p:spPr/>
-        <p:txBody>
-          <a:bodyPr/>
-          <a:lstStyle/>
-          <a:p>
-            <a:r>
-              <a:rPr lang="en-US">
-                <a:latin typeface="Garamond" charset="0"/>
-              </a:rPr>
-              <a:t>Today’s exercise (continued)</a:t>
-            </a:r>
-          </a:p>
-        </p:txBody>
-      </p:sp>
-      <p:sp>
-        <p:nvSpPr>
-          <p:cNvPr id="3" name="Content Placeholder 2"/>
-          <p:cNvSpPr>
-            <a:spLocks noGrp="1"/>
-          </p:cNvSpPr>
-          <p:nvPr>
-            <p:ph idx="1"/>
-          </p:nvPr>
-        </p:nvSpPr>
-        <p:spPr/>
-        <p:txBody>
-          <a:bodyPr>
-            <a:normAutofit fontScale="77500" lnSpcReduction="20000"/>
-          </a:bodyPr>
-          <a:lstStyle/>
-          <a:p>
-            <a:pPr>
-              <a:defRPr/>
-            </a:pPr>
-            <a:r>
-              <a:rPr lang="en-US" dirty="0" smtClean="0"/>
-              <a:t>Given header files, main program</a:t>
-            </a:r>
-          </a:p>
-          <a:p>
-            <a:pPr>
-              <a:defRPr/>
-            </a:pPr>
-            <a:r>
-              <a:rPr lang="en-US" dirty="0" smtClean="0">
-                <a:cs typeface="Courier New" charset="0"/>
-              </a:rPr>
-              <a:t>Complete specified functions</a:t>
-            </a:r>
-          </a:p>
-          <a:p>
-            <a:pPr lvl="1">
-              <a:defRPr/>
-            </a:pPr>
-            <a:r>
-              <a:rPr lang="en-US" dirty="0" smtClean="0">
-                <a:latin typeface="Courier New"/>
-                <a:cs typeface="Courier New"/>
-              </a:rPr>
-              <a:t>Name</a:t>
-            </a:r>
-            <a:r>
-              <a:rPr lang="en-US" dirty="0" smtClean="0">
-                <a:cs typeface="Courier New" charset="0"/>
-              </a:rPr>
-              <a:t> functions on previous slide</a:t>
-            </a:r>
-          </a:p>
-          <a:p>
-            <a:pPr lvl="1">
-              <a:defRPr/>
-            </a:pPr>
-            <a:r>
-              <a:rPr lang="en-US" dirty="0" smtClean="0">
-                <a:cs typeface="Courier New" charset="0"/>
-              </a:rPr>
-              <a:t>For the </a:t>
-            </a:r>
-            <a:r>
-              <a:rPr lang="en-US" dirty="0" err="1" smtClean="0">
-                <a:latin typeface="Courier New"/>
-                <a:cs typeface="Courier New"/>
-              </a:rPr>
-              <a:t>SINew</a:t>
-            </a:r>
-            <a:r>
-              <a:rPr lang="en-US" dirty="0" smtClean="0">
-                <a:latin typeface="Courier New"/>
-                <a:cs typeface="Courier New"/>
-              </a:rPr>
-              <a:t> </a:t>
-            </a:r>
-            <a:r>
-              <a:rPr lang="en-US" dirty="0" smtClean="0">
-                <a:cs typeface="Courier New" charset="0"/>
-              </a:rPr>
-              <a:t>structure</a:t>
-            </a:r>
-          </a:p>
-          <a:p>
-            <a:pPr lvl="2">
-              <a:defRPr/>
-            </a:pPr>
-            <a:r>
-              <a:rPr lang="en-US" b="1" dirty="0" smtClean="0">
-                <a:solidFill>
-                  <a:srgbClr val="0000FF"/>
-                </a:solidFill>
-                <a:latin typeface="Courier New"/>
-                <a:cs typeface="Courier New"/>
-              </a:rPr>
-              <a:t>void </a:t>
-            </a:r>
-            <a:r>
-              <a:rPr lang="en-US" b="1" dirty="0" err="1" smtClean="0">
-                <a:solidFill>
-                  <a:srgbClr val="0000FF"/>
-                </a:solidFill>
-                <a:latin typeface="Courier New"/>
-                <a:cs typeface="Courier New"/>
-              </a:rPr>
-              <a:t>printStudent</a:t>
-            </a:r>
-            <a:r>
-              <a:rPr lang="en-US" b="1" dirty="0" smtClean="0">
-                <a:solidFill>
-                  <a:srgbClr val="0000FF"/>
-                </a:solidFill>
-                <a:latin typeface="Courier New"/>
-                <a:cs typeface="Courier New"/>
-              </a:rPr>
-              <a:t>(</a:t>
-            </a:r>
-            <a:r>
-              <a:rPr lang="en-US" b="1" dirty="0" err="1" smtClean="0">
-                <a:solidFill>
-                  <a:srgbClr val="0000FF"/>
-                </a:solidFill>
-                <a:latin typeface="Courier New"/>
-                <a:cs typeface="Courier New"/>
-              </a:rPr>
-              <a:t>SINew</a:t>
-            </a:r>
-            <a:r>
-              <a:rPr lang="en-US" b="1" dirty="0" smtClean="0">
-                <a:solidFill>
-                  <a:srgbClr val="0000FF"/>
-                </a:solidFill>
-                <a:latin typeface="Courier New"/>
-                <a:cs typeface="Courier New"/>
-              </a:rPr>
-              <a:t> *s)</a:t>
-            </a:r>
-            <a:r>
-              <a:rPr lang="en-US" dirty="0" smtClean="0">
-                <a:cs typeface="Courier New" charset="0"/>
-              </a:rPr>
-              <a:t>: Print information about the student pointed to by </a:t>
-            </a:r>
-            <a:r>
-              <a:rPr lang="en-US" dirty="0" smtClean="0">
-                <a:latin typeface="Courier New"/>
-                <a:cs typeface="Courier New"/>
-              </a:rPr>
-              <a:t>s</a:t>
-            </a:r>
-          </a:p>
-          <a:p>
-            <a:pPr lvl="2">
-              <a:defRPr/>
-            </a:pPr>
-            <a:r>
-              <a:rPr lang="en-US" b="1" dirty="0" smtClean="0">
-                <a:solidFill>
-                  <a:srgbClr val="0000FF"/>
-                </a:solidFill>
-                <a:latin typeface="Courier New"/>
-                <a:cs typeface="Courier New"/>
-              </a:rPr>
-              <a:t>void </a:t>
-            </a:r>
-            <a:r>
-              <a:rPr lang="en-US" b="1" dirty="0" err="1" smtClean="0">
-                <a:solidFill>
-                  <a:srgbClr val="0000FF"/>
-                </a:solidFill>
-                <a:latin typeface="Courier New"/>
-                <a:cs typeface="Courier New"/>
-              </a:rPr>
-              <a:t>readStudent</a:t>
-            </a:r>
-            <a:r>
-              <a:rPr lang="en-US" b="1" dirty="0" smtClean="0">
-                <a:solidFill>
-                  <a:srgbClr val="0000FF"/>
-                </a:solidFill>
-                <a:latin typeface="Courier New"/>
-                <a:cs typeface="Courier New"/>
-              </a:rPr>
-              <a:t>(</a:t>
-            </a:r>
-            <a:r>
-              <a:rPr lang="en-US" b="1" dirty="0" err="1" smtClean="0">
-                <a:solidFill>
-                  <a:srgbClr val="0000FF"/>
-                </a:solidFill>
-                <a:latin typeface="Courier New"/>
-                <a:cs typeface="Courier New"/>
-              </a:rPr>
-              <a:t>SINew</a:t>
-            </a:r>
-            <a:r>
-              <a:rPr lang="en-US" b="1" dirty="0" smtClean="0">
-                <a:solidFill>
-                  <a:srgbClr val="0000FF"/>
-                </a:solidFill>
-                <a:latin typeface="Courier New"/>
-                <a:cs typeface="Courier New"/>
-              </a:rPr>
-              <a:t> *s)</a:t>
-            </a:r>
-            <a:r>
-              <a:rPr lang="en-US" dirty="0" smtClean="0">
-                <a:cs typeface="Courier New" charset="0"/>
-              </a:rPr>
-              <a:t>: Prompt for and read information into the student pointed to by </a:t>
-            </a:r>
-            <a:r>
-              <a:rPr lang="en-US" dirty="0" smtClean="0">
-                <a:latin typeface="Courier New"/>
-                <a:cs typeface="Courier New"/>
-              </a:rPr>
-              <a:t>s</a:t>
-            </a:r>
-          </a:p>
-          <a:p>
-            <a:pPr lvl="2">
-              <a:defRPr/>
-            </a:pPr>
-            <a:r>
-              <a:rPr lang="en-US" b="1" dirty="0" smtClean="0">
-                <a:solidFill>
-                  <a:srgbClr val="0000FF"/>
-                </a:solidFill>
-                <a:latin typeface="Courier New"/>
-                <a:cs typeface="Courier New"/>
-              </a:rPr>
-              <a:t>void </a:t>
-            </a:r>
-            <a:r>
-              <a:rPr lang="en-US" b="1" dirty="0" err="1" smtClean="0">
-                <a:solidFill>
-                  <a:srgbClr val="0000FF"/>
-                </a:solidFill>
-                <a:latin typeface="Courier New"/>
-                <a:cs typeface="Courier New"/>
-              </a:rPr>
-              <a:t>printList</a:t>
-            </a:r>
-            <a:r>
-              <a:rPr lang="en-US" b="1" dirty="0" smtClean="0">
-                <a:solidFill>
-                  <a:srgbClr val="0000FF"/>
-                </a:solidFill>
-                <a:latin typeface="Courier New"/>
-                <a:cs typeface="Courier New"/>
-              </a:rPr>
-              <a:t>(</a:t>
-            </a:r>
-            <a:r>
-              <a:rPr lang="en-US" b="1" dirty="0" err="1" smtClean="0">
-                <a:solidFill>
-                  <a:srgbClr val="0000FF"/>
-                </a:solidFill>
-                <a:latin typeface="Courier New"/>
-                <a:cs typeface="Courier New"/>
-              </a:rPr>
-              <a:t>SINew</a:t>
-            </a:r>
-            <a:r>
-              <a:rPr lang="en-US" b="1" dirty="0" smtClean="0">
-                <a:solidFill>
-                  <a:srgbClr val="0000FF"/>
-                </a:solidFill>
-                <a:latin typeface="Courier New"/>
-                <a:cs typeface="Courier New"/>
-              </a:rPr>
-              <a:t> list[], </a:t>
-            </a:r>
-            <a:r>
-              <a:rPr lang="en-US" b="1" dirty="0" err="1" smtClean="0">
-                <a:solidFill>
-                  <a:srgbClr val="0000FF"/>
-                </a:solidFill>
-                <a:latin typeface="Courier New"/>
-                <a:cs typeface="Courier New"/>
-              </a:rPr>
-              <a:t>int</a:t>
-            </a:r>
-            <a:r>
-              <a:rPr lang="en-US" b="1" dirty="0" smtClean="0">
-                <a:solidFill>
-                  <a:srgbClr val="0000FF"/>
-                </a:solidFill>
-                <a:latin typeface="Courier New"/>
-                <a:cs typeface="Courier New"/>
-              </a:rPr>
-              <a:t> n)</a:t>
-            </a:r>
-            <a:r>
-              <a:rPr lang="en-US" dirty="0" smtClean="0">
-                <a:cs typeface="Courier New" charset="0"/>
-              </a:rPr>
-              <a:t>: Print the contents of an array </a:t>
-            </a:r>
-            <a:r>
-              <a:rPr lang="en-US" dirty="0" smtClean="0">
-                <a:latin typeface="Courier New"/>
-                <a:cs typeface="Courier New"/>
-              </a:rPr>
-              <a:t>list</a:t>
-            </a:r>
-            <a:r>
-              <a:rPr lang="en-US" dirty="0" smtClean="0">
-                <a:cs typeface="Courier New" charset="0"/>
-              </a:rPr>
-              <a:t> that contains </a:t>
-            </a:r>
-            <a:r>
-              <a:rPr lang="en-US" dirty="0" smtClean="0">
-                <a:latin typeface="Courier New"/>
-                <a:cs typeface="Courier New"/>
-              </a:rPr>
-              <a:t>n</a:t>
-            </a:r>
-            <a:r>
-              <a:rPr lang="en-US" dirty="0" smtClean="0">
-                <a:cs typeface="Courier New" charset="0"/>
-              </a:rPr>
-              <a:t> </a:t>
-            </a:r>
-            <a:r>
-              <a:rPr lang="en-US" dirty="0" err="1" smtClean="0">
-                <a:latin typeface="Courier New"/>
-                <a:cs typeface="Courier New"/>
-              </a:rPr>
-              <a:t>StudentInfo</a:t>
-            </a:r>
-            <a:r>
-              <a:rPr lang="en-US" dirty="0" smtClean="0">
-                <a:cs typeface="Courier New" charset="0"/>
-              </a:rPr>
-              <a:t> structures</a:t>
-            </a:r>
-          </a:p>
-          <a:p>
-            <a:pPr lvl="2">
-              <a:defRPr/>
-            </a:pPr>
-            <a:r>
-              <a:rPr lang="en-US" b="1" dirty="0" err="1" smtClean="0">
-                <a:solidFill>
-                  <a:srgbClr val="0000FF"/>
-                </a:solidFill>
-                <a:latin typeface="Courier New"/>
-                <a:cs typeface="Courier New"/>
-              </a:rPr>
-              <a:t>int</a:t>
-            </a:r>
-            <a:r>
-              <a:rPr lang="en-US" b="1" dirty="0" smtClean="0">
-                <a:solidFill>
-                  <a:srgbClr val="0000FF"/>
-                </a:solidFill>
-                <a:latin typeface="Courier New"/>
-                <a:cs typeface="Courier New"/>
-              </a:rPr>
-              <a:t> </a:t>
-            </a:r>
-            <a:r>
-              <a:rPr lang="en-US" b="1" dirty="0" err="1" smtClean="0">
-                <a:solidFill>
-                  <a:srgbClr val="0000FF"/>
-                </a:solidFill>
-                <a:latin typeface="Courier New"/>
-                <a:cs typeface="Courier New"/>
-              </a:rPr>
-              <a:t>findByLName</a:t>
-            </a:r>
-            <a:r>
-              <a:rPr lang="en-US" b="1" dirty="0" smtClean="0">
-                <a:solidFill>
-                  <a:srgbClr val="0000FF"/>
-                </a:solidFill>
-                <a:latin typeface="Courier New"/>
-                <a:cs typeface="Courier New"/>
-              </a:rPr>
-              <a:t>(</a:t>
-            </a:r>
-            <a:r>
-              <a:rPr lang="en-US" b="1" dirty="0" err="1" smtClean="0">
-                <a:solidFill>
-                  <a:srgbClr val="0000FF"/>
-                </a:solidFill>
-                <a:latin typeface="Courier New"/>
-                <a:cs typeface="Courier New"/>
-              </a:rPr>
-              <a:t>SINew</a:t>
-            </a:r>
-            <a:r>
-              <a:rPr lang="en-US" b="1" dirty="0" smtClean="0">
-                <a:solidFill>
-                  <a:srgbClr val="0000FF"/>
-                </a:solidFill>
-                <a:latin typeface="Courier New"/>
-                <a:cs typeface="Courier New"/>
-              </a:rPr>
-              <a:t> list[], </a:t>
-            </a:r>
-            <a:r>
-              <a:rPr lang="en-US" b="1" dirty="0" err="1" smtClean="0">
-                <a:solidFill>
-                  <a:srgbClr val="0000FF"/>
-                </a:solidFill>
-                <a:latin typeface="Courier New"/>
-                <a:cs typeface="Courier New"/>
-              </a:rPr>
-              <a:t>int</a:t>
-            </a:r>
-            <a:r>
-              <a:rPr lang="en-US" b="1" dirty="0" smtClean="0">
-                <a:solidFill>
-                  <a:srgbClr val="0000FF"/>
-                </a:solidFill>
-                <a:latin typeface="Courier New"/>
-                <a:cs typeface="Courier New"/>
-              </a:rPr>
-              <a:t> n, char </a:t>
-            </a:r>
-            <a:r>
-              <a:rPr lang="en-US" b="1" dirty="0" err="1" smtClean="0">
-                <a:solidFill>
-                  <a:srgbClr val="0000FF"/>
-                </a:solidFill>
-                <a:latin typeface="Courier New"/>
-                <a:cs typeface="Courier New"/>
-              </a:rPr>
-              <a:t>lname</a:t>
-            </a:r>
-            <a:r>
-              <a:rPr lang="en-US" b="1" dirty="0" smtClean="0">
-                <a:solidFill>
-                  <a:srgbClr val="0000FF"/>
-                </a:solidFill>
-                <a:latin typeface="Courier New"/>
-                <a:cs typeface="Courier New"/>
-              </a:rPr>
-              <a:t>[])</a:t>
-            </a:r>
-            <a:r>
-              <a:rPr lang="en-US" dirty="0" smtClean="0">
-                <a:cs typeface="Courier New" charset="0"/>
-              </a:rPr>
-              <a:t>: Search for the student with last name </a:t>
-            </a:r>
-            <a:r>
-              <a:rPr lang="en-US" dirty="0" err="1" smtClean="0">
-                <a:latin typeface="Courier New"/>
-                <a:cs typeface="Courier New"/>
-              </a:rPr>
-              <a:t>lname</a:t>
-            </a:r>
-            <a:r>
-              <a:rPr lang="en-US" dirty="0" smtClean="0">
-                <a:cs typeface="Courier New" charset="0"/>
-              </a:rPr>
-              <a:t> in the array </a:t>
-            </a:r>
-            <a:r>
-              <a:rPr lang="en-US" dirty="0" smtClean="0">
-                <a:latin typeface="Courier New"/>
-                <a:cs typeface="Courier New"/>
-              </a:rPr>
-              <a:t>list</a:t>
-            </a:r>
-            <a:r>
-              <a:rPr lang="en-US" dirty="0" smtClean="0">
-                <a:cs typeface="Courier New" charset="0"/>
-              </a:rPr>
-              <a:t>. Return the index of the structure containing that last name, or -1 if not found</a:t>
-            </a:r>
-          </a:p>
-          <a:p>
-            <a:pPr lvl="2">
-              <a:defRPr/>
-            </a:pPr>
-            <a:r>
-              <a:rPr lang="en-US" b="1" dirty="0" err="1" smtClean="0">
-                <a:solidFill>
-                  <a:srgbClr val="0000FF"/>
-                </a:solidFill>
-                <a:latin typeface="Courier New"/>
-                <a:cs typeface="Courier New"/>
-              </a:rPr>
-              <a:t>int</a:t>
-            </a:r>
-            <a:r>
-              <a:rPr lang="en-US" b="1" dirty="0" smtClean="0">
-                <a:solidFill>
-                  <a:srgbClr val="0000FF"/>
-                </a:solidFill>
-                <a:latin typeface="Courier New"/>
-                <a:cs typeface="Courier New"/>
-              </a:rPr>
-              <a:t> </a:t>
-            </a:r>
-            <a:r>
-              <a:rPr lang="en-US" b="1" dirty="0" err="1" smtClean="0">
-                <a:solidFill>
-                  <a:srgbClr val="0000FF"/>
-                </a:solidFill>
-                <a:latin typeface="Courier New"/>
-                <a:cs typeface="Courier New"/>
-              </a:rPr>
-              <a:t>findByID</a:t>
-            </a:r>
-            <a:r>
-              <a:rPr lang="en-US" b="1" dirty="0" smtClean="0">
-                <a:solidFill>
-                  <a:srgbClr val="0000FF"/>
-                </a:solidFill>
-                <a:latin typeface="Courier New"/>
-                <a:cs typeface="Courier New"/>
-              </a:rPr>
-              <a:t>(</a:t>
-            </a:r>
-            <a:r>
-              <a:rPr lang="en-US" b="1" dirty="0" err="1" smtClean="0">
-                <a:solidFill>
-                  <a:srgbClr val="0000FF"/>
-                </a:solidFill>
-                <a:latin typeface="Courier New"/>
-                <a:cs typeface="Courier New"/>
-              </a:rPr>
-              <a:t>SINew</a:t>
-            </a:r>
-            <a:r>
-              <a:rPr lang="en-US" b="1" dirty="0" smtClean="0">
-                <a:solidFill>
-                  <a:srgbClr val="0000FF"/>
-                </a:solidFill>
-                <a:latin typeface="Courier New"/>
-                <a:cs typeface="Courier New"/>
-              </a:rPr>
-              <a:t> list[], </a:t>
-            </a:r>
-            <a:r>
-              <a:rPr lang="en-US" b="1" dirty="0" err="1" smtClean="0">
-                <a:solidFill>
-                  <a:srgbClr val="0000FF"/>
-                </a:solidFill>
-                <a:latin typeface="Courier New"/>
-                <a:cs typeface="Courier New"/>
-              </a:rPr>
-              <a:t>int</a:t>
-            </a:r>
-            <a:r>
-              <a:rPr lang="en-US" b="1" dirty="0" smtClean="0">
-                <a:solidFill>
-                  <a:srgbClr val="0000FF"/>
-                </a:solidFill>
-                <a:latin typeface="Courier New"/>
-                <a:cs typeface="Courier New"/>
-              </a:rPr>
-              <a:t> n, unsigned </a:t>
-            </a:r>
-            <a:r>
-              <a:rPr lang="en-US" b="1" dirty="0" err="1" smtClean="0">
-                <a:solidFill>
-                  <a:srgbClr val="0000FF"/>
-                </a:solidFill>
-                <a:latin typeface="Courier New"/>
-                <a:cs typeface="Courier New"/>
-              </a:rPr>
-              <a:t>int</a:t>
-            </a:r>
-            <a:r>
-              <a:rPr lang="en-US" b="1" dirty="0" smtClean="0">
-                <a:solidFill>
-                  <a:srgbClr val="0000FF"/>
-                </a:solidFill>
-                <a:latin typeface="Courier New"/>
-                <a:cs typeface="Courier New"/>
-              </a:rPr>
-              <a:t> </a:t>
-            </a:r>
-            <a:r>
-              <a:rPr lang="en-US" b="1" dirty="0" err="1" smtClean="0">
-                <a:solidFill>
-                  <a:srgbClr val="0000FF"/>
-                </a:solidFill>
-                <a:latin typeface="Courier New"/>
-                <a:cs typeface="Courier New"/>
-              </a:rPr>
-              <a:t>sID</a:t>
-            </a:r>
-            <a:r>
-              <a:rPr lang="en-US" b="1" dirty="0" smtClean="0">
-                <a:solidFill>
-                  <a:srgbClr val="0000FF"/>
-                </a:solidFill>
-                <a:latin typeface="Courier New"/>
-                <a:cs typeface="Courier New"/>
-              </a:rPr>
-              <a:t>)</a:t>
-            </a:r>
-            <a:r>
-              <a:rPr lang="en-US" dirty="0" smtClean="0">
-                <a:cs typeface="Courier New" charset="0"/>
-              </a:rPr>
-              <a:t>: Search for the student with ID # </a:t>
-            </a:r>
-            <a:r>
-              <a:rPr lang="en-US" dirty="0" err="1" smtClean="0">
-                <a:latin typeface="Courier New"/>
-                <a:cs typeface="Courier New"/>
-              </a:rPr>
-              <a:t>sID</a:t>
-            </a:r>
-            <a:r>
-              <a:rPr lang="en-US" dirty="0" smtClean="0">
-                <a:cs typeface="Courier New" charset="0"/>
-              </a:rPr>
-              <a:t> in the array </a:t>
-            </a:r>
-            <a:r>
-              <a:rPr lang="en-US" dirty="0" smtClean="0">
-                <a:latin typeface="Courier New"/>
-                <a:cs typeface="Courier New"/>
-              </a:rPr>
-              <a:t>list</a:t>
-            </a:r>
-            <a:r>
-              <a:rPr lang="en-US" dirty="0" smtClean="0">
-                <a:cs typeface="Courier New" charset="0"/>
-              </a:rPr>
-              <a:t>. Return the index of the structure containing that last name, or -1 if not found</a:t>
-            </a:r>
-          </a:p>
-          <a:p>
-            <a:pPr lvl="2">
-              <a:defRPr/>
-            </a:pPr>
-            <a:endParaRPr lang="en-US" dirty="0" smtClean="0">
-              <a:cs typeface="Courier New" charset="0"/>
-            </a:endParaRPr>
-          </a:p>
-          <a:p>
-            <a:pPr>
-              <a:defRPr/>
-            </a:pPr>
-            <a:endParaRPr lang="en-US" dirty="0"/>
-          </a:p>
-        </p:txBody>
-      </p:sp>
-      <p:sp>
-        <p:nvSpPr>
-          <p:cNvPr id="13316" name="Date Placeholder 3"/>
-          <p:cNvSpPr>
-            <a:spLocks noGrp="1"/>
-          </p:cNvSpPr>
-          <p:nvPr>
-            <p:ph type="dt" sz="quarter" idx="10"/>
-          </p:nvPr>
-        </p:nvSpPr>
-        <p:spPr>
-          <a:noFill/>
-          <a:ln/>
-          <a:extLst>
-            <a:ext uri="{909E8E84-426E-40DD-AFC4-6F175D3DCCD1}">
-              <a14:hiddenFill xmlns:a14="http://schemas.microsoft.com/office/drawing/2010/main">
-                <a:solidFill>
-                  <a:srgbClr val="FFFFFF"/>
-                </a:solidFill>
-              </a14:hiddenFill>
-            </a:ext>
-            <a:ext uri="{91240B29-F687-4F45-9708-019B960494DF}">
-              <a14:hiddenLine xmlns:a14="http://schemas.microsoft.com/office/drawing/2010/main" w="9525">
-                <a:solidFill>
-                  <a:srgbClr val="000000"/>
-                </a:solidFill>
-                <a:miter lim="800000"/>
-                <a:headEnd/>
-                <a:tailEnd/>
-              </a14:hiddenLine>
-            </a:ext>
-          </a:extLst>
-        </p:spPr>
-        <p:txBody>
-          <a:bodyPr/>
-          <a:lstStyle>
-            <a:lvl1pPr>
-              <a:defRPr sz="3000">
-                <a:solidFill>
-                  <a:schemeClr val="tx1"/>
-                </a:solidFill>
-                <a:latin typeface="Arial" charset="0"/>
-                <a:ea typeface="ＭＳ Ｐゴシック" charset="0"/>
-                <a:cs typeface="ＭＳ Ｐゴシック" charset="0"/>
-              </a:defRPr>
-            </a:lvl1pPr>
-            <a:lvl2pPr marL="742950" indent="-285750">
-              <a:defRPr sz="2600">
-                <a:solidFill>
-                  <a:schemeClr val="tx1"/>
-                </a:solidFill>
-                <a:latin typeface="Arial" charset="0"/>
-                <a:ea typeface="ＭＳ Ｐゴシック" charset="0"/>
-              </a:defRPr>
-            </a:lvl2pPr>
-            <a:lvl3pPr marL="1143000" indent="-228600">
-              <a:defRPr sz="2200">
-                <a:solidFill>
-                  <a:schemeClr val="tx1"/>
-                </a:solidFill>
-                <a:latin typeface="Arial" charset="0"/>
-                <a:ea typeface="ＭＳ Ｐゴシック" charset="0"/>
-              </a:defRPr>
-            </a:lvl3pPr>
-            <a:lvl4pPr marL="1600200" indent="-228600">
-              <a:defRPr sz="2000">
-                <a:solidFill>
-                  <a:schemeClr val="tx1"/>
-                </a:solidFill>
-                <a:latin typeface="Arial" charset="0"/>
-                <a:ea typeface="ＭＳ Ｐゴシック" charset="0"/>
-              </a:defRPr>
-            </a:lvl4pPr>
-            <a:lvl5pPr marL="2057400" indent="-228600">
-              <a:defRPr sz="2000">
-                <a:solidFill>
-                  <a:schemeClr val="tx1"/>
-                </a:solidFill>
-                <a:latin typeface="Arial" charset="0"/>
-                <a:ea typeface="ＭＳ Ｐゴシック" charset="0"/>
-              </a:defRPr>
-            </a:lvl5pPr>
-            <a:lvl6pPr marL="2514600" indent="-228600" eaLnBrk="0" hangingPunct="0">
-              <a:buFont typeface="Wingdings" charset="0"/>
-              <a:defRPr sz="2000">
-                <a:solidFill>
-                  <a:schemeClr val="tx1"/>
-                </a:solidFill>
-                <a:latin typeface="Arial" charset="0"/>
-                <a:ea typeface="ＭＳ Ｐゴシック" charset="0"/>
-              </a:defRPr>
-            </a:lvl6pPr>
-            <a:lvl7pPr marL="2971800" indent="-228600" eaLnBrk="0" hangingPunct="0">
-              <a:buFont typeface="Wingdings" charset="0"/>
-              <a:defRPr sz="2000">
-                <a:solidFill>
-                  <a:schemeClr val="tx1"/>
-                </a:solidFill>
-                <a:latin typeface="Arial" charset="0"/>
-                <a:ea typeface="ＭＳ Ｐゴシック" charset="0"/>
-              </a:defRPr>
-            </a:lvl7pPr>
-            <a:lvl8pPr marL="3429000" indent="-228600" eaLnBrk="0" hangingPunct="0">
-              <a:buFont typeface="Wingdings" charset="0"/>
-              <a:defRPr sz="2000">
-                <a:solidFill>
-                  <a:schemeClr val="tx1"/>
-                </a:solidFill>
-                <a:latin typeface="Arial" charset="0"/>
-                <a:ea typeface="ＭＳ Ｐゴシック" charset="0"/>
-              </a:defRPr>
-            </a:lvl8pPr>
-            <a:lvl9pPr marL="3886200" indent="-228600" eaLnBrk="0" hangingPunct="0">
-              <a:buFont typeface="Wingdings" charset="0"/>
-              <a:defRPr sz="2000">
-                <a:solidFill>
-                  <a:schemeClr val="tx1"/>
-                </a:solidFill>
-                <a:latin typeface="Arial" charset="0"/>
-                <a:ea typeface="ＭＳ Ｐゴシック" charset="0"/>
-              </a:defRPr>
-            </a:lvl9pPr>
-          </a:lstStyle>
-          <a:p>
-            <a:fld id="{580AF53F-D42A-8842-ACAA-E91EC0E464C6}" type="datetime1">
-              <a:rPr lang="en-US" sz="1200" smtClean="0">
-                <a:latin typeface="Garamond" charset="0"/>
-              </a:rPr>
-              <a:t>11/14/18</a:t>
-            </a:fld>
-            <a:endParaRPr lang="en-US" sz="1200">
-              <a:latin typeface="Garamond" charset="0"/>
-            </a:endParaRPr>
-          </a:p>
-        </p:txBody>
-      </p:sp>
-      <p:sp>
-        <p:nvSpPr>
-          <p:cNvPr id="5" name="Footer Placeholder 4"/>
-          <p:cNvSpPr>
-            <a:spLocks noGrp="1"/>
-          </p:cNvSpPr>
-          <p:nvPr>
-            <p:ph type="ftr" sz="quarter" idx="11"/>
-          </p:nvPr>
-        </p:nvSpPr>
-        <p:spPr/>
-        <p:txBody>
-          <a:bodyPr/>
-          <a:lstStyle/>
-          <a:p>
-            <a:pPr>
-              <a:defRPr/>
-            </a:pPr>
-            <a:r>
-              <a:rPr lang="en-US" altLang="en-US" smtClean="0"/>
-              <a:t>ECE Application Programming: Lecture 28</a:t>
-            </a:r>
-            <a:endParaRPr lang="en-US" altLang="en-US"/>
-          </a:p>
-        </p:txBody>
-      </p:sp>
-      <p:sp>
-        <p:nvSpPr>
-          <p:cNvPr id="13318" name="Slide Number Placeholder 5"/>
-          <p:cNvSpPr>
-            <a:spLocks noGrp="1"/>
-          </p:cNvSpPr>
-          <p:nvPr>
-            <p:ph type="sldNum" sz="quarter" idx="12"/>
-          </p:nvPr>
-        </p:nvSpPr>
-        <p:spPr>
-          <a:noFill/>
-          <a:ln/>
-          <a:extLst>
-            <a:ext uri="{909E8E84-426E-40DD-AFC4-6F175D3DCCD1}">
-              <a14:hiddenFill xmlns:a14="http://schemas.microsoft.com/office/drawing/2010/main">
-                <a:solidFill>
-                  <a:srgbClr val="FFFFFF"/>
-                </a:solidFill>
-              </a14:hiddenFill>
-            </a:ext>
-            <a:ext uri="{91240B29-F687-4F45-9708-019B960494DF}">
-              <a14:hiddenLine xmlns:a14="http://schemas.microsoft.com/office/drawing/2010/main" w="9525">
-                <a:solidFill>
-                  <a:srgbClr val="000000"/>
-                </a:solidFill>
-                <a:miter lim="800000"/>
-                <a:headEnd/>
-                <a:tailEnd/>
-              </a14:hiddenLine>
-            </a:ext>
-          </a:extLst>
-        </p:spPr>
-        <p:txBody>
-          <a:bodyPr/>
-          <a:lstStyle>
-            <a:lvl1pPr>
-              <a:defRPr sz="3000">
-                <a:solidFill>
-                  <a:schemeClr val="tx1"/>
-                </a:solidFill>
-                <a:latin typeface="Arial" charset="0"/>
-                <a:ea typeface="ＭＳ Ｐゴシック" charset="0"/>
-                <a:cs typeface="ＭＳ Ｐゴシック" charset="0"/>
-              </a:defRPr>
-            </a:lvl1pPr>
-            <a:lvl2pPr marL="742950" indent="-285750">
-              <a:defRPr sz="2600">
-                <a:solidFill>
-                  <a:schemeClr val="tx1"/>
-                </a:solidFill>
-                <a:latin typeface="Arial" charset="0"/>
-                <a:ea typeface="ＭＳ Ｐゴシック" charset="0"/>
-              </a:defRPr>
-            </a:lvl2pPr>
-            <a:lvl3pPr marL="1143000" indent="-228600">
-              <a:defRPr sz="2200">
-                <a:solidFill>
-                  <a:schemeClr val="tx1"/>
-                </a:solidFill>
-                <a:latin typeface="Arial" charset="0"/>
-                <a:ea typeface="ＭＳ Ｐゴシック" charset="0"/>
-              </a:defRPr>
-            </a:lvl3pPr>
-            <a:lvl4pPr marL="1600200" indent="-228600">
-              <a:defRPr sz="2000">
-                <a:solidFill>
-                  <a:schemeClr val="tx1"/>
-                </a:solidFill>
-                <a:latin typeface="Arial" charset="0"/>
-                <a:ea typeface="ＭＳ Ｐゴシック" charset="0"/>
-              </a:defRPr>
-            </a:lvl4pPr>
-            <a:lvl5pPr marL="2057400" indent="-228600">
-              <a:defRPr sz="2000">
-                <a:solidFill>
-                  <a:schemeClr val="tx1"/>
-                </a:solidFill>
-                <a:latin typeface="Arial" charset="0"/>
-                <a:ea typeface="ＭＳ Ｐゴシック" charset="0"/>
-              </a:defRPr>
-            </a:lvl5pPr>
-            <a:lvl6pPr marL="2514600" indent="-228600" eaLnBrk="0" hangingPunct="0">
-              <a:buFont typeface="Wingdings" charset="0"/>
-              <a:defRPr sz="2000">
-                <a:solidFill>
-                  <a:schemeClr val="tx1"/>
-                </a:solidFill>
-                <a:latin typeface="Arial" charset="0"/>
-                <a:ea typeface="ＭＳ Ｐゴシック" charset="0"/>
-              </a:defRPr>
-            </a:lvl6pPr>
-            <a:lvl7pPr marL="2971800" indent="-228600" eaLnBrk="0" hangingPunct="0">
-              <a:buFont typeface="Wingdings" charset="0"/>
-              <a:defRPr sz="2000">
-                <a:solidFill>
-                  <a:schemeClr val="tx1"/>
-                </a:solidFill>
-                <a:latin typeface="Arial" charset="0"/>
-                <a:ea typeface="ＭＳ Ｐゴシック" charset="0"/>
-              </a:defRPr>
-            </a:lvl7pPr>
-            <a:lvl8pPr marL="3429000" indent="-228600" eaLnBrk="0" hangingPunct="0">
-              <a:buFont typeface="Wingdings" charset="0"/>
-              <a:defRPr sz="2000">
-                <a:solidFill>
-                  <a:schemeClr val="tx1"/>
-                </a:solidFill>
-                <a:latin typeface="Arial" charset="0"/>
-                <a:ea typeface="ＭＳ Ｐゴシック" charset="0"/>
-              </a:defRPr>
-            </a:lvl8pPr>
-            <a:lvl9pPr marL="3886200" indent="-228600" eaLnBrk="0" hangingPunct="0">
-              <a:buFont typeface="Wingdings" charset="0"/>
-              <a:defRPr sz="2000">
-                <a:solidFill>
-                  <a:schemeClr val="tx1"/>
-                </a:solidFill>
-                <a:latin typeface="Arial" charset="0"/>
-                <a:ea typeface="ＭＳ Ｐゴシック" charset="0"/>
-              </a:defRPr>
-            </a:lvl9pPr>
-          </a:lstStyle>
-          <a:p>
-            <a:fld id="{E9E55D0B-F2A6-CE45-AABF-29A9E45C2BAE}" type="slidenum">
-              <a:rPr lang="en-US" sz="1200">
-                <a:latin typeface="Garamond" charset="0"/>
-              </a:rPr>
-              <a:pPr/>
-              <a:t>13</a:t>
-            </a:fld>
-            <a:endParaRPr lang="en-US" sz="1200">
-              <a:latin typeface="Garamond" charset="0"/>
-            </a:endParaRPr>
-          </a:p>
-        </p:txBody>
-      </p:sp>
-    </p:spTree>
-    <p:extLst>
-      <p:ext uri="{BB962C8B-B14F-4D97-AF65-F5344CB8AC3E}">
-        <p14:creationId xmlns:p14="http://schemas.microsoft.com/office/powerpoint/2010/main" val="2487684182"/>
-      </p:ext>
-    </p:extLst>
-  </p:cSld>
-  <p:clrMapOvr>
-    <a:masterClrMapping/>
-  </p:clrMapOvr>
-  <p:timing>
-    <p:tnLst>
-      <p:par>
-        <p:cTn id="1" dur="indefinite" restart="never" nodeType="tmRoot"/>
-      </p:par>
-    </p:tnLst>
-  </p:timing>
-</p:sld>
-</file>
-
-<file path=ppt/slides/slide14.xml><?xml version="1.0" encoding="utf-8"?>
-<p:sld xmlns:a="http://schemas.openxmlformats.org/drawingml/2006/main" xmlns:r="http://schemas.openxmlformats.org/officeDocument/2006/relationships" xmlns:p="http://schemas.openxmlformats.org/presentationml/2006/main">
-  <p:cSld>
-    <p:spTree>
-      <p:nvGrpSpPr>
-        <p:cNvPr id="1" name=""/>
-        <p:cNvGrpSpPr/>
-        <p:nvPr/>
-      </p:nvGrpSpPr>
-      <p:grpSpPr>
-        <a:xfrm>
-          <a:off x="0" y="0"/>
-          <a:ext cx="0" cy="0"/>
-          <a:chOff x="0" y="0"/>
-          <a:chExt cx="0" cy="0"/>
-        </a:xfrm>
-      </p:grpSpPr>
-      <p:sp>
-        <p:nvSpPr>
-          <p:cNvPr id="40961" name="Title 1"/>
-          <p:cNvSpPr>
-            <a:spLocks noGrp="1"/>
-          </p:cNvSpPr>
-          <p:nvPr>
-            <p:ph type="title"/>
-          </p:nvPr>
-        </p:nvSpPr>
-        <p:spPr/>
-        <p:txBody>
-          <a:bodyPr/>
-          <a:lstStyle/>
-          <a:p>
-            <a:r>
-              <a:rPr lang="en-US">
-                <a:latin typeface="Garamond" charset="0"/>
-              </a:rPr>
-              <a:t>Final notes</a:t>
-            </a:r>
-          </a:p>
-        </p:txBody>
-      </p:sp>
-      <p:sp>
-        <p:nvSpPr>
-          <p:cNvPr id="40962" name="Content Placeholder 2"/>
-          <p:cNvSpPr>
-            <a:spLocks noGrp="1"/>
-          </p:cNvSpPr>
-          <p:nvPr>
-            <p:ph idx="1"/>
-          </p:nvPr>
-        </p:nvSpPr>
-        <p:spPr/>
-        <p:txBody>
-          <a:bodyPr>
-            <a:normAutofit/>
-          </a:bodyPr>
-          <a:lstStyle/>
-          <a:p>
-            <a:r>
-              <a:rPr lang="en-US" dirty="0">
-                <a:latin typeface="Arial" charset="0"/>
-              </a:rPr>
-              <a:t>Next time</a:t>
-            </a:r>
-          </a:p>
-          <a:p>
-            <a:pPr lvl="1"/>
-            <a:r>
-              <a:rPr lang="en-US" dirty="0" smtClean="0">
-                <a:latin typeface="Arial" charset="0"/>
-              </a:rPr>
-              <a:t>Finish PE3</a:t>
-            </a:r>
-            <a:endParaRPr lang="en-US" dirty="0">
-              <a:latin typeface="Arial" charset="0"/>
-            </a:endParaRPr>
-          </a:p>
-          <a:p>
-            <a:r>
-              <a:rPr lang="en-US" dirty="0">
-                <a:latin typeface="Arial" charset="0"/>
-              </a:rPr>
-              <a:t>Reminders:</a:t>
-            </a:r>
-          </a:p>
-          <a:p>
-            <a:pPr lvl="1"/>
-            <a:r>
-              <a:rPr lang="en-US" dirty="0">
-                <a:latin typeface="Arial" charset="0"/>
-              </a:rPr>
-              <a:t>Program 5 </a:t>
-            </a:r>
-            <a:r>
-              <a:rPr lang="en-US" dirty="0" err="1">
-                <a:latin typeface="Arial" charset="0"/>
-              </a:rPr>
-              <a:t>regrades</a:t>
-            </a:r>
-            <a:r>
-              <a:rPr lang="en-US" dirty="0">
-                <a:latin typeface="Arial" charset="0"/>
-              </a:rPr>
-              <a:t> due Monday, 4/9</a:t>
-            </a:r>
-          </a:p>
-          <a:p>
-            <a:pPr lvl="1"/>
-            <a:r>
-              <a:rPr lang="en-US" dirty="0">
-                <a:latin typeface="Arial" charset="0"/>
-              </a:rPr>
-              <a:t>Program 6 due today</a:t>
-            </a:r>
-          </a:p>
-          <a:p>
-            <a:pPr lvl="1"/>
-            <a:r>
-              <a:rPr lang="en-US" dirty="0">
-                <a:latin typeface="Arial" charset="0"/>
-              </a:rPr>
-              <a:t>Program 7 due Friday, 4/13</a:t>
-            </a:r>
-          </a:p>
-        </p:txBody>
-      </p:sp>
-      <p:sp>
-        <p:nvSpPr>
-          <p:cNvPr id="40963" name="Date Placeholder 3"/>
-          <p:cNvSpPr>
-            <a:spLocks noGrp="1"/>
-          </p:cNvSpPr>
-          <p:nvPr>
-            <p:ph type="dt" sz="quarter" idx="10"/>
-          </p:nvPr>
-        </p:nvSpPr>
-        <p:spPr>
-          <a:noFill/>
-          <a:ln/>
-          <a:extLst>
-            <a:ext uri="{909E8E84-426E-40DD-AFC4-6F175D3DCCD1}">
-              <a14:hiddenFill xmlns:a14="http://schemas.microsoft.com/office/drawing/2010/main">
-                <a:solidFill>
-                  <a:srgbClr val="FFFFFF"/>
-                </a:solidFill>
-              </a14:hiddenFill>
-            </a:ext>
-            <a:ext uri="{91240B29-F687-4F45-9708-019B960494DF}">
-              <a14:hiddenLine xmlns:a14="http://schemas.microsoft.com/office/drawing/2010/main" w="9525">
-                <a:solidFill>
-                  <a:srgbClr val="000000"/>
-                </a:solidFill>
-                <a:miter lim="800000"/>
-                <a:headEnd/>
-                <a:tailEnd/>
-              </a14:hiddenLine>
-            </a:ext>
-          </a:extLst>
-        </p:spPr>
-        <p:txBody>
-          <a:bodyPr/>
-          <a:lstStyle>
-            <a:lvl1pPr eaLnBrk="0" hangingPunct="0">
-              <a:defRPr sz="2400">
-                <a:solidFill>
-                  <a:schemeClr val="tx1"/>
-                </a:solidFill>
-                <a:latin typeface="Arial" charset="0"/>
-                <a:ea typeface="ＭＳ Ｐゴシック" charset="0"/>
-                <a:cs typeface="ＭＳ Ｐゴシック" charset="0"/>
-              </a:defRPr>
-            </a:lvl1pPr>
-            <a:lvl2pPr marL="742950" indent="-285750" eaLnBrk="0" hangingPunct="0">
-              <a:defRPr sz="2400">
-                <a:solidFill>
-                  <a:schemeClr val="tx1"/>
-                </a:solidFill>
-                <a:latin typeface="Arial" charset="0"/>
-                <a:ea typeface="ＭＳ Ｐゴシック" charset="0"/>
-              </a:defRPr>
-            </a:lvl2pPr>
-            <a:lvl3pPr marL="1143000" indent="-228600" eaLnBrk="0" hangingPunct="0">
-              <a:defRPr sz="2400">
-                <a:solidFill>
-                  <a:schemeClr val="tx1"/>
-                </a:solidFill>
-                <a:latin typeface="Arial" charset="0"/>
-                <a:ea typeface="ＭＳ Ｐゴシック" charset="0"/>
-              </a:defRPr>
-            </a:lvl3pPr>
-            <a:lvl4pPr marL="1600200" indent="-228600" eaLnBrk="0" hangingPunct="0">
-              <a:defRPr sz="2400">
-                <a:solidFill>
-                  <a:schemeClr val="tx1"/>
-                </a:solidFill>
-                <a:latin typeface="Arial" charset="0"/>
-                <a:ea typeface="ＭＳ Ｐゴシック" charset="0"/>
-              </a:defRPr>
-            </a:lvl4pPr>
-            <a:lvl5pPr marL="2057400" indent="-228600" eaLnBrk="0" hangingPunct="0">
-              <a:defRPr sz="2400">
-                <a:solidFill>
-                  <a:schemeClr val="tx1"/>
-                </a:solidFill>
-                <a:latin typeface="Arial" charset="0"/>
-                <a:ea typeface="ＭＳ Ｐゴシック" charset="0"/>
-              </a:defRPr>
-            </a:lvl5pPr>
-            <a:lvl6pPr marL="2514600" indent="-228600" eaLnBrk="0" fontAlgn="base" hangingPunct="0">
-              <a:spcBef>
-                <a:spcPct val="0"/>
-              </a:spcBef>
-              <a:spcAft>
-                <a:spcPct val="0"/>
-              </a:spcAft>
-              <a:defRPr sz="2400">
-                <a:solidFill>
-                  <a:schemeClr val="tx1"/>
-                </a:solidFill>
-                <a:latin typeface="Arial" charset="0"/>
-                <a:ea typeface="ＭＳ Ｐゴシック" charset="0"/>
-              </a:defRPr>
-            </a:lvl6pPr>
-            <a:lvl7pPr marL="2971800" indent="-228600" eaLnBrk="0" fontAlgn="base" hangingPunct="0">
-              <a:spcBef>
-                <a:spcPct val="0"/>
-              </a:spcBef>
-              <a:spcAft>
-                <a:spcPct val="0"/>
-              </a:spcAft>
-              <a:defRPr sz="2400">
-                <a:solidFill>
-                  <a:schemeClr val="tx1"/>
-                </a:solidFill>
-                <a:latin typeface="Arial" charset="0"/>
-                <a:ea typeface="ＭＳ Ｐゴシック" charset="0"/>
-              </a:defRPr>
-            </a:lvl7pPr>
-            <a:lvl8pPr marL="3429000" indent="-228600" eaLnBrk="0" fontAlgn="base" hangingPunct="0">
-              <a:spcBef>
-                <a:spcPct val="0"/>
-              </a:spcBef>
-              <a:spcAft>
-                <a:spcPct val="0"/>
-              </a:spcAft>
-              <a:defRPr sz="2400">
-                <a:solidFill>
-                  <a:schemeClr val="tx1"/>
-                </a:solidFill>
-                <a:latin typeface="Arial" charset="0"/>
-                <a:ea typeface="ＭＳ Ｐゴシック" charset="0"/>
-              </a:defRPr>
-            </a:lvl8pPr>
-            <a:lvl9pPr marL="3886200" indent="-228600" eaLnBrk="0" fontAlgn="base" hangingPunct="0">
-              <a:spcBef>
-                <a:spcPct val="0"/>
-              </a:spcBef>
-              <a:spcAft>
-                <a:spcPct val="0"/>
-              </a:spcAft>
-              <a:defRPr sz="2400">
-                <a:solidFill>
-                  <a:schemeClr val="tx1"/>
-                </a:solidFill>
-                <a:latin typeface="Arial" charset="0"/>
-                <a:ea typeface="ＭＳ Ｐゴシック" charset="0"/>
-              </a:defRPr>
-            </a:lvl9pPr>
-          </a:lstStyle>
-          <a:p>
-            <a:pPr eaLnBrk="1" hangingPunct="1"/>
-            <a:fld id="{E59FBBB3-C757-9640-AB61-1DF9F6555D17}" type="datetime1">
-              <a:rPr lang="en-US" sz="1200" smtClean="0">
-                <a:latin typeface="Garamond" charset="0"/>
-              </a:rPr>
-              <a:t>11/14/18</a:t>
-            </a:fld>
-            <a:endParaRPr lang="en-US" sz="1200">
-              <a:latin typeface="Garamond" charset="0"/>
-            </a:endParaRPr>
-          </a:p>
-        </p:txBody>
-      </p:sp>
-      <p:sp>
-        <p:nvSpPr>
-          <p:cNvPr id="5" name="Footer Placeholder 4"/>
-          <p:cNvSpPr>
-            <a:spLocks noGrp="1"/>
-          </p:cNvSpPr>
-          <p:nvPr>
-            <p:ph type="ftr" sz="quarter" idx="11"/>
-          </p:nvPr>
-        </p:nvSpPr>
-        <p:spPr/>
-        <p:txBody>
-          <a:bodyPr/>
-          <a:lstStyle/>
-          <a:p>
-            <a:pPr>
-              <a:defRPr/>
-            </a:pPr>
-            <a:r>
-              <a:rPr lang="en-US" altLang="en-US" smtClean="0"/>
-              <a:t>ECE Application Programming: Lecture 28</a:t>
-            </a:r>
-            <a:endParaRPr lang="en-US" altLang="en-US"/>
-          </a:p>
-        </p:txBody>
-      </p:sp>
-      <p:sp>
-        <p:nvSpPr>
-          <p:cNvPr id="40965" name="Slide Number Placeholder 5"/>
-          <p:cNvSpPr>
-            <a:spLocks noGrp="1"/>
-          </p:cNvSpPr>
-          <p:nvPr>
-            <p:ph type="sldNum" sz="quarter" idx="12"/>
-          </p:nvPr>
-        </p:nvSpPr>
-        <p:spPr>
-          <a:noFill/>
-          <a:ln/>
-          <a:extLst>
-            <a:ext uri="{909E8E84-426E-40DD-AFC4-6F175D3DCCD1}">
-              <a14:hiddenFill xmlns:a14="http://schemas.microsoft.com/office/drawing/2010/main">
-                <a:solidFill>
-                  <a:srgbClr val="FFFFFF"/>
-                </a:solidFill>
-              </a14:hiddenFill>
-            </a:ext>
-            <a:ext uri="{91240B29-F687-4F45-9708-019B960494DF}">
-              <a14:hiddenLine xmlns:a14="http://schemas.microsoft.com/office/drawing/2010/main" w="9525">
-                <a:solidFill>
-                  <a:srgbClr val="000000"/>
-                </a:solidFill>
-                <a:miter lim="800000"/>
-                <a:headEnd/>
-                <a:tailEnd/>
-              </a14:hiddenLine>
-            </a:ext>
-          </a:extLst>
-        </p:spPr>
-        <p:txBody>
-          <a:bodyPr/>
-          <a:lstStyle>
             <a:lvl1pPr eaLnBrk="0" hangingPunct="0">
               <a:defRPr sz="2400">
                 <a:solidFill>
@@ -9165,7 +7935,7 @@
                 <a:latin typeface="Garamond" charset="0"/>
               </a:rPr>
               <a:pPr eaLnBrk="1" hangingPunct="1"/>
-              <a:t>14</a:t>
+              <a:t>12</a:t>
             </a:fld>
             <a:endParaRPr lang="en-US" sz="1200">
               <a:latin typeface="Garamond" charset="0"/>
@@ -9242,7 +8012,7 @@
         <p:spPr/>
         <p:txBody>
           <a:bodyPr>
-            <a:normAutofit/>
+            <a:normAutofit fontScale="92500" lnSpcReduction="10000"/>
           </a:bodyPr>
           <a:lstStyle/>
           <a:p>
@@ -9256,20 +8026,62 @@
           <a:p>
             <a:pPr lvl="1"/>
             <a:r>
+              <a:rPr lang="en-US" dirty="0">
+                <a:latin typeface="Arial" charset="0"/>
+              </a:rPr>
+              <a:t>Program 6 due today</a:t>
+            </a:r>
+          </a:p>
+          <a:p>
+            <a:pPr lvl="2"/>
+            <a:r>
+              <a:rPr lang="en-US" dirty="0">
+                <a:latin typeface="Arial" charset="0"/>
+              </a:rPr>
+              <a:t>Late penalties capped at -1 between Tuesday, 11/20 and Monday, 11/26</a:t>
+            </a:r>
+          </a:p>
+          <a:p>
+            <a:pPr lvl="2"/>
+            <a:r>
+              <a:rPr lang="en-US" dirty="0">
+                <a:latin typeface="Arial" charset="0"/>
+              </a:rPr>
+              <a:t>Penalties for that assignment begin increasing again Tuesday, 11/27</a:t>
+            </a:r>
+          </a:p>
+          <a:p>
+            <a:pPr lvl="1"/>
+            <a:r>
+              <a:rPr lang="en-US" dirty="0">
+                <a:latin typeface="Arial" charset="0"/>
+              </a:rPr>
+              <a:t>Program 5 regrades due Monday, </a:t>
+            </a:r>
+            <a:r>
               <a:rPr lang="en-US" dirty="0" smtClean="0">
                 <a:latin typeface="Arial" charset="0"/>
               </a:rPr>
-              <a:t>Program 6 due Monday, 11/19</a:t>
+              <a:t>11/26</a:t>
             </a:r>
           </a:p>
           <a:p>
             <a:pPr lvl="1"/>
             <a:r>
+              <a:rPr lang="en-US" dirty="0">
+                <a:latin typeface="Arial" charset="0"/>
+              </a:rPr>
+              <a:t>Program 7 to be posted; due Tuesday, </a:t>
+            </a:r>
+            <a:r>
               <a:rPr lang="en-US" dirty="0" smtClean="0">
                 <a:latin typeface="Arial" charset="0"/>
               </a:rPr>
-              <a:t>Program 5 regrades due Monday, 11/26</a:t>
-            </a:r>
+              <a:t>12/4</a:t>
+            </a:r>
+            <a:endParaRPr lang="en-US" dirty="0">
+              <a:latin typeface="Arial" charset="0"/>
+            </a:endParaRPr>
           </a:p>
           <a:p>
             <a:pPr lvl="1"/>
@@ -9291,13 +8103,16 @@
               <a:rPr lang="en-US" dirty="0" smtClean="0">
                 <a:latin typeface="Arial" charset="0"/>
               </a:rPr>
-              <a:t>Review</a:t>
-            </a:r>
+              <a:t>Review: Structures</a:t>
+            </a:r>
+          </a:p>
+          <a:p>
+            <a:pPr lvl="1"/>
             <a:r>
               <a:rPr lang="en-US" dirty="0" smtClean="0">
                 <a:latin typeface="Arial" charset="0"/>
               </a:rPr>
-              <a:t>: Structures</a:t>
+              <a:t>Structure examples</a:t>
             </a:r>
           </a:p>
           <a:p>
@@ -9306,16 +8121,13 @@
               <a:rPr lang="en-US" dirty="0" smtClean="0">
                 <a:latin typeface="Arial" charset="0"/>
               </a:rPr>
-              <a:t>Structure examples</a:t>
-            </a:r>
-          </a:p>
-          <a:p>
-            <a:pPr lvl="1"/>
+              <a:t>Nested </a:t>
+            </a:r>
             <a:r>
               <a:rPr lang="en-US" dirty="0" smtClean="0">
                 <a:latin typeface="Arial" charset="0"/>
               </a:rPr>
-              <a:t>Nested structures</a:t>
+              <a:t>structures overview</a:t>
             </a:r>
             <a:endParaRPr lang="en-US" dirty="0">
               <a:latin typeface="Arial" charset="0"/>
@@ -9472,7 +8284,7 @@
               <a:rPr lang="en-US" sz="1200" smtClean="0">
                 <a:latin typeface="Garamond" charset="0"/>
               </a:rPr>
-              <a:t>11/14/18</a:t>
+              <a:t>11/19/18</a:t>
             </a:fld>
             <a:endParaRPr lang="en-US" sz="1200">
               <a:latin typeface="Garamond" charset="0"/>
@@ -10228,7 +9040,7 @@
                 <a:latin typeface="Garamond" charset="0"/>
                 <a:cs typeface="Arial" charset="0"/>
               </a:rPr>
-              <a:t>11/14/18</a:t>
+              <a:t>11/19/18</a:t>
             </a:fld>
             <a:endParaRPr lang="en-US" sz="1200">
               <a:latin typeface="Garamond" charset="0"/>
@@ -11372,7 +10184,7 @@
                 <a:latin typeface="Garamond" charset="0"/>
                 <a:cs typeface="Arial" charset="0"/>
               </a:rPr>
-              <a:t>11/14/18</a:t>
+              <a:t>11/19/18</a:t>
             </a:fld>
             <a:endParaRPr lang="en-US" sz="1200">
               <a:latin typeface="Garamond" charset="0"/>
@@ -11889,7 +10701,7 @@
                 <a:latin typeface="Garamond" charset="0"/>
                 <a:cs typeface="Arial" charset="0"/>
               </a:rPr>
-              <a:t>11/14/18</a:t>
+              <a:t>11/19/18</a:t>
             </a:fld>
             <a:endParaRPr lang="en-US" sz="1200">
               <a:latin typeface="Garamond" charset="0"/>
@@ -12455,7 +11267,7 @@
                 <a:latin typeface="Garamond" charset="0"/>
                 <a:cs typeface="Arial" charset="0"/>
               </a:rPr>
-              <a:t>11/14/18</a:t>
+              <a:t>11/19/18</a:t>
             </a:fld>
             <a:endParaRPr lang="en-US" sz="1200">
               <a:latin typeface="Garamond" charset="0"/>
@@ -13138,7 +11950,7 @@
                 <a:latin typeface="Garamond" charset="0"/>
                 <a:cs typeface="Arial" charset="0"/>
               </a:rPr>
-              <a:t>11/14/18</a:t>
+              <a:t>11/19/18</a:t>
             </a:fld>
             <a:endParaRPr lang="en-US" sz="1200">
               <a:latin typeface="Garamond" charset="0"/>
@@ -13638,7 +12450,7 @@
                 <a:latin typeface="Garamond" charset="0"/>
                 <a:cs typeface="Arial" charset="0"/>
               </a:rPr>
-              <a:t>11/14/18</a:t>
+              <a:t>11/19/18</a:t>
             </a:fld>
             <a:endParaRPr lang="en-US" sz="1200">
               <a:latin typeface="Garamond" charset="0"/>
@@ -14314,7 +13126,7 @@
                 <a:latin typeface="Garamond" charset="0"/>
                 <a:cs typeface="Arial" charset="0"/>
               </a:rPr>
-              <a:t>11/14/18</a:t>
+              <a:t>11/19/18</a:t>
             </a:fld>
             <a:endParaRPr lang="en-US" sz="1200">
               <a:latin typeface="Garamond" charset="0"/>
